--- a/Presentations/3_NET_componenter.pptx
+++ b/Presentations/3_NET_componenter.pptx
@@ -19,6 +19,7 @@
     <p:sldId id="267" r:id="rId13"/>
     <p:sldId id="268" r:id="rId14"/>
     <p:sldId id="269" r:id="rId15"/>
+    <p:sldId id="270" r:id="rId16"/>
   </p:sldIdLst>
   <p:sldSz cx="12192000" cy="6858000"/>
   <p:notesSz cx="6858000" cy="9144000"/>
@@ -274,7 +275,7 @@
           <a:p>
             <a:fld id="{9FBD7F75-2227-4511-94EA-2EC7D078D5F4}" type="datetimeFigureOut">
               <a:rPr lang="en-DK" smtClean="0"/>
-              <a:t>08/15/2020</a:t>
+              <a:t>08/17/2020</a:t>
             </a:fld>
             <a:endParaRPr lang="en-DK"/>
           </a:p>
@@ -474,7 +475,7 @@
           <a:p>
             <a:fld id="{9FBD7F75-2227-4511-94EA-2EC7D078D5F4}" type="datetimeFigureOut">
               <a:rPr lang="en-DK" smtClean="0"/>
-              <a:t>08/15/2020</a:t>
+              <a:t>08/17/2020</a:t>
             </a:fld>
             <a:endParaRPr lang="en-DK"/>
           </a:p>
@@ -684,7 +685,7 @@
           <a:p>
             <a:fld id="{9FBD7F75-2227-4511-94EA-2EC7D078D5F4}" type="datetimeFigureOut">
               <a:rPr lang="en-DK" smtClean="0"/>
-              <a:t>08/15/2020</a:t>
+              <a:t>08/17/2020</a:t>
             </a:fld>
             <a:endParaRPr lang="en-DK"/>
           </a:p>
@@ -884,7 +885,7 @@
           <a:p>
             <a:fld id="{9FBD7F75-2227-4511-94EA-2EC7D078D5F4}" type="datetimeFigureOut">
               <a:rPr lang="en-DK" smtClean="0"/>
-              <a:t>08/15/2020</a:t>
+              <a:t>08/17/2020</a:t>
             </a:fld>
             <a:endParaRPr lang="en-DK"/>
           </a:p>
@@ -1160,7 +1161,7 @@
           <a:p>
             <a:fld id="{9FBD7F75-2227-4511-94EA-2EC7D078D5F4}" type="datetimeFigureOut">
               <a:rPr lang="en-DK" smtClean="0"/>
-              <a:t>08/15/2020</a:t>
+              <a:t>08/17/2020</a:t>
             </a:fld>
             <a:endParaRPr lang="en-DK"/>
           </a:p>
@@ -1428,7 +1429,7 @@
           <a:p>
             <a:fld id="{9FBD7F75-2227-4511-94EA-2EC7D078D5F4}" type="datetimeFigureOut">
               <a:rPr lang="en-DK" smtClean="0"/>
-              <a:t>08/15/2020</a:t>
+              <a:t>08/17/2020</a:t>
             </a:fld>
             <a:endParaRPr lang="en-DK"/>
           </a:p>
@@ -1843,7 +1844,7 @@
           <a:p>
             <a:fld id="{9FBD7F75-2227-4511-94EA-2EC7D078D5F4}" type="datetimeFigureOut">
               <a:rPr lang="en-DK" smtClean="0"/>
-              <a:t>08/15/2020</a:t>
+              <a:t>08/17/2020</a:t>
             </a:fld>
             <a:endParaRPr lang="en-DK"/>
           </a:p>
@@ -1985,7 +1986,7 @@
           <a:p>
             <a:fld id="{9FBD7F75-2227-4511-94EA-2EC7D078D5F4}" type="datetimeFigureOut">
               <a:rPr lang="en-DK" smtClean="0"/>
-              <a:t>08/15/2020</a:t>
+              <a:t>08/17/2020</a:t>
             </a:fld>
             <a:endParaRPr lang="en-DK"/>
           </a:p>
@@ -2098,7 +2099,7 @@
           <a:p>
             <a:fld id="{9FBD7F75-2227-4511-94EA-2EC7D078D5F4}" type="datetimeFigureOut">
               <a:rPr lang="en-DK" smtClean="0"/>
-              <a:t>08/15/2020</a:t>
+              <a:t>08/17/2020</a:t>
             </a:fld>
             <a:endParaRPr lang="en-DK"/>
           </a:p>
@@ -2411,7 +2412,7 @@
           <a:p>
             <a:fld id="{9FBD7F75-2227-4511-94EA-2EC7D078D5F4}" type="datetimeFigureOut">
               <a:rPr lang="en-DK" smtClean="0"/>
-              <a:t>08/15/2020</a:t>
+              <a:t>08/17/2020</a:t>
             </a:fld>
             <a:endParaRPr lang="en-DK"/>
           </a:p>
@@ -2700,7 +2701,7 @@
           <a:p>
             <a:fld id="{9FBD7F75-2227-4511-94EA-2EC7D078D5F4}" type="datetimeFigureOut">
               <a:rPr lang="en-DK" smtClean="0"/>
-              <a:t>08/15/2020</a:t>
+              <a:t>08/17/2020</a:t>
             </a:fld>
             <a:endParaRPr lang="en-DK"/>
           </a:p>
@@ -2943,7 +2944,7 @@
           <a:p>
             <a:fld id="{9FBD7F75-2227-4511-94EA-2EC7D078D5F4}" type="datetimeFigureOut">
               <a:rPr lang="en-DK" smtClean="0"/>
-              <a:t>08/15/2020</a:t>
+              <a:t>08/17/2020</a:t>
             </a:fld>
             <a:endParaRPr lang="en-DK"/>
           </a:p>
@@ -7083,7 +7084,7 @@
 </p:sld>
 </file>
 
-<file path=ppt/slides/slide2.xml><?xml version="1.0" encoding="utf-8"?>
+<file path=ppt/slides/slide15.xml><?xml version="1.0" encoding="utf-8"?>
 <p:sld xmlns:a="http://schemas.openxmlformats.org/drawingml/2006/main" xmlns:r="http://schemas.openxmlformats.org/officeDocument/2006/relationships" xmlns:p="http://schemas.openxmlformats.org/presentationml/2006/main">
   <p:cSld>
     <p:bg>
@@ -7110,10 +7111,10 @@
       </p:grpSpPr>
       <p:sp>
         <p:nvSpPr>
-          <p:cNvPr id="2" name="Title 1">
-            <a:extLst>
-              <a:ext uri="{FF2B5EF4-FFF2-40B4-BE49-F238E27FC236}">
-                <a16:creationId xmlns:a16="http://schemas.microsoft.com/office/drawing/2014/main" id="{F21D88CF-9C22-45FC-945D-A2B8C3BDA2D0}"/>
+          <p:cNvPr id="2" name="Titel 1">
+            <a:extLst>
+              <a:ext uri="{FF2B5EF4-FFF2-40B4-BE49-F238E27FC236}">
+                <a16:creationId xmlns:a16="http://schemas.microsoft.com/office/drawing/2014/main" id="{03503310-CD7E-4DC7-8B83-B6D56617284E}"/>
               </a:ext>
             </a:extLst>
           </p:cNvPr>
@@ -7137,10 +7138,9 @@
           <a:lstStyle/>
           <a:p>
             <a:r>
-              <a:rPr lang="en-US" dirty="0"/>
-              <a:t>Evolution 	</a:t>
-            </a:r>
-            <a:endParaRPr lang="en-DK" dirty="0"/>
+              <a:rPr lang="da-DK" dirty="0"/>
+              <a:t>Demo</a:t>
+            </a:r>
           </a:p>
         </p:txBody>
       </p:sp>
@@ -7616,6 +7616,582 @@
       </p:sp>
       <p:sp>
         <p:nvSpPr>
+          <p:cNvPr id="3" name="Pladsholder til indhold 2">
+            <a:extLst>
+              <a:ext uri="{FF2B5EF4-FFF2-40B4-BE49-F238E27FC236}">
+                <a16:creationId xmlns:a16="http://schemas.microsoft.com/office/drawing/2014/main" id="{A075D1AA-122E-4FA6-ADF3-592F179DE5E1}"/>
+              </a:ext>
+            </a:extLst>
+          </p:cNvPr>
+          <p:cNvSpPr>
+            <a:spLocks noGrp="1"/>
+          </p:cNvSpPr>
+          <p:nvPr>
+            <p:ph idx="1"/>
+          </p:nvPr>
+        </p:nvSpPr>
+        <p:spPr>
+          <a:xfrm>
+            <a:off x="1653363" y="2176272"/>
+            <a:ext cx="9367204" cy="4041648"/>
+          </a:xfrm>
+        </p:spPr>
+        <p:txBody>
+          <a:bodyPr anchor="t">
+            <a:normAutofit/>
+          </a:bodyPr>
+          <a:lstStyle/>
+          <a:p>
+            <a:endParaRPr lang="da-DK" sz="2400"/>
+          </a:p>
+        </p:txBody>
+      </p:sp>
+    </p:spTree>
+    <p:extLst>
+      <p:ext uri="{BB962C8B-B14F-4D97-AF65-F5344CB8AC3E}">
+        <p14:creationId xmlns:p14="http://schemas.microsoft.com/office/powerpoint/2010/main" val="489412505"/>
+      </p:ext>
+    </p:extLst>
+  </p:cSld>
+  <p:clrMapOvr>
+    <a:masterClrMapping/>
+  </p:clrMapOvr>
+</p:sld>
+</file>
+
+<file path=ppt/slides/slide2.xml><?xml version="1.0" encoding="utf-8"?>
+<p:sld xmlns:a="http://schemas.openxmlformats.org/drawingml/2006/main" xmlns:r="http://schemas.openxmlformats.org/officeDocument/2006/relationships" xmlns:p="http://schemas.openxmlformats.org/presentationml/2006/main">
+  <p:cSld>
+    <p:bg>
+      <p:bgPr>
+        <a:solidFill>
+          <a:schemeClr val="bg1"/>
+        </a:solidFill>
+        <a:effectLst/>
+      </p:bgPr>
+    </p:bg>
+    <p:spTree>
+      <p:nvGrpSpPr>
+        <p:cNvPr id="1" name=""/>
+        <p:cNvGrpSpPr/>
+        <p:nvPr/>
+      </p:nvGrpSpPr>
+      <p:grpSpPr>
+        <a:xfrm>
+          <a:off x="0" y="0"/>
+          <a:ext cx="0" cy="0"/>
+          <a:chOff x="0" y="0"/>
+          <a:chExt cx="0" cy="0"/>
+        </a:xfrm>
+      </p:grpSpPr>
+      <p:sp>
+        <p:nvSpPr>
+          <p:cNvPr id="2" name="Title 1">
+            <a:extLst>
+              <a:ext uri="{FF2B5EF4-FFF2-40B4-BE49-F238E27FC236}">
+                <a16:creationId xmlns:a16="http://schemas.microsoft.com/office/drawing/2014/main" id="{F21D88CF-9C22-45FC-945D-A2B8C3BDA2D0}"/>
+              </a:ext>
+            </a:extLst>
+          </p:cNvPr>
+          <p:cNvSpPr>
+            <a:spLocks noGrp="1"/>
+          </p:cNvSpPr>
+          <p:nvPr>
+            <p:ph type="title"/>
+          </p:nvPr>
+        </p:nvSpPr>
+        <p:spPr>
+          <a:xfrm>
+            <a:off x="1653363" y="365760"/>
+            <a:ext cx="9367203" cy="1188720"/>
+          </a:xfrm>
+        </p:spPr>
+        <p:txBody>
+          <a:bodyPr>
+            <a:normAutofit/>
+          </a:bodyPr>
+          <a:lstStyle/>
+          <a:p>
+            <a:r>
+              <a:rPr lang="en-US" dirty="0"/>
+              <a:t>Evolution 	</a:t>
+            </a:r>
+            <a:endParaRPr lang="en-DK" dirty="0"/>
+          </a:p>
+        </p:txBody>
+      </p:sp>
+      <p:sp>
+        <p:nvSpPr>
+          <p:cNvPr id="8" name="Freeform: Shape 7">
+            <a:extLst>
+              <a:ext uri="{FF2B5EF4-FFF2-40B4-BE49-F238E27FC236}">
+                <a16:creationId xmlns:a16="http://schemas.microsoft.com/office/drawing/2014/main" id="{7CB4857B-ED7C-444D-9F04-2F885114A1C2}"/>
+              </a:ext>
+              <a:ext uri="{C183D7F6-B498-43B3-948B-1728B52AA6E4}">
+                <adec:decorative xmlns:adec="http://schemas.microsoft.com/office/drawing/2017/decorative" val="1"/>
+              </a:ext>
+            </a:extLst>
+          </p:cNvPr>
+          <p:cNvSpPr>
+            <a:spLocks noGrp="1" noRot="1" noChangeAspect="1" noMove="1" noResize="1" noEditPoints="1" noAdjustHandles="1" noChangeArrowheads="1" noChangeShapeType="1" noTextEdit="1"/>
+          </p:cNvSpPr>
+          <p:nvPr>
+            <p:extLst>
+              <p:ext uri="{386F3935-93C4-4BCD-93E2-E3B085C9AB24}">
+                <p16:designElem xmlns:p16="http://schemas.microsoft.com/office/powerpoint/2015/main" val="1"/>
+              </p:ext>
+            </p:extLst>
+          </p:nvPr>
+        </p:nvSpPr>
+        <p:spPr>
+          <a:xfrm>
+            <a:off x="1" y="0"/>
+            <a:ext cx="1764099" cy="1558212"/>
+          </a:xfrm>
+          <a:custGeom>
+            <a:avLst/>
+            <a:gdLst>
+              <a:gd name="connsiteX0" fmla="*/ 0 w 1764099"/>
+              <a:gd name="connsiteY0" fmla="*/ 0 h 1558212"/>
+              <a:gd name="connsiteX1" fmla="*/ 1764099 w 1764099"/>
+              <a:gd name="connsiteY1" fmla="*/ 0 h 1558212"/>
+              <a:gd name="connsiteX2" fmla="*/ 1042087 w 1764099"/>
+              <a:gd name="connsiteY2" fmla="*/ 1558212 h 1558212"/>
+              <a:gd name="connsiteX3" fmla="*/ 0 w 1764099"/>
+              <a:gd name="connsiteY3" fmla="*/ 1558212 h 1558212"/>
+            </a:gdLst>
+            <a:ahLst/>
+            <a:cxnLst>
+              <a:cxn ang="0">
+                <a:pos x="connsiteX0" y="connsiteY0"/>
+              </a:cxn>
+              <a:cxn ang="0">
+                <a:pos x="connsiteX1" y="connsiteY1"/>
+              </a:cxn>
+              <a:cxn ang="0">
+                <a:pos x="connsiteX2" y="connsiteY2"/>
+              </a:cxn>
+              <a:cxn ang="0">
+                <a:pos x="connsiteX3" y="connsiteY3"/>
+              </a:cxn>
+            </a:cxnLst>
+            <a:rect l="l" t="t" r="r" b="b"/>
+            <a:pathLst>
+              <a:path w="1764099" h="1558212">
+                <a:moveTo>
+                  <a:pt x="0" y="0"/>
+                </a:moveTo>
+                <a:lnTo>
+                  <a:pt x="1764099" y="0"/>
+                </a:lnTo>
+                <a:lnTo>
+                  <a:pt x="1042087" y="1558212"/>
+                </a:lnTo>
+                <a:lnTo>
+                  <a:pt x="0" y="1558212"/>
+                </a:lnTo>
+                <a:close/>
+              </a:path>
+            </a:pathLst>
+          </a:custGeom>
+          <a:solidFill>
+            <a:schemeClr val="accent4"/>
+          </a:solidFill>
+          <a:ln>
+            <a:noFill/>
+          </a:ln>
+        </p:spPr>
+        <p:style>
+          <a:lnRef idx="2">
+            <a:schemeClr val="accent1">
+              <a:shade val="50000"/>
+            </a:schemeClr>
+          </a:lnRef>
+          <a:fillRef idx="1">
+            <a:schemeClr val="accent1"/>
+          </a:fillRef>
+          <a:effectRef idx="0">
+            <a:schemeClr val="accent1"/>
+          </a:effectRef>
+          <a:fontRef idx="minor">
+            <a:schemeClr val="lt1"/>
+          </a:fontRef>
+        </p:style>
+        <p:txBody>
+          <a:bodyPr wrap="square" rtlCol="0" anchor="ctr">
+            <a:noAutofit/>
+          </a:bodyPr>
+          <a:lstStyle/>
+          <a:p>
+            <a:pPr algn="ctr"/>
+            <a:endParaRPr lang="en-US"/>
+          </a:p>
+        </p:txBody>
+      </p:sp>
+      <p:sp>
+        <p:nvSpPr>
+          <p:cNvPr id="10" name="Freeform: Shape 9">
+            <a:extLst>
+              <a:ext uri="{FF2B5EF4-FFF2-40B4-BE49-F238E27FC236}">
+                <a16:creationId xmlns:a16="http://schemas.microsoft.com/office/drawing/2014/main" id="{D18046FB-44EA-4FD8-A585-EA09A319B2D0}"/>
+              </a:ext>
+              <a:ext uri="{C183D7F6-B498-43B3-948B-1728B52AA6E4}">
+                <adec:decorative xmlns:adec="http://schemas.microsoft.com/office/drawing/2017/decorative" val="1"/>
+              </a:ext>
+            </a:extLst>
+          </p:cNvPr>
+          <p:cNvSpPr>
+            <a:spLocks noGrp="1" noRot="1" noChangeAspect="1" noMove="1" noResize="1" noEditPoints="1" noAdjustHandles="1" noChangeArrowheads="1" noChangeShapeType="1" noTextEdit="1"/>
+          </p:cNvSpPr>
+          <p:nvPr>
+            <p:extLst>
+              <p:ext uri="{386F3935-93C4-4BCD-93E2-E3B085C9AB24}">
+                <p16:designElem xmlns:p16="http://schemas.microsoft.com/office/powerpoint/2015/main" val="1"/>
+              </p:ext>
+            </p:extLst>
+          </p:nvPr>
+        </p:nvSpPr>
+        <p:spPr>
+          <a:xfrm>
+            <a:off x="1" y="1691640"/>
+            <a:ext cx="12191999" cy="5166360"/>
+          </a:xfrm>
+          <a:custGeom>
+            <a:avLst/>
+            <a:gdLst>
+              <a:gd name="connsiteX0" fmla="*/ 0 w 12191999"/>
+              <a:gd name="connsiteY0" fmla="*/ 0 h 5166360"/>
+              <a:gd name="connsiteX1" fmla="*/ 1822388 w 12191999"/>
+              <a:gd name="connsiteY1" fmla="*/ 0 h 5166360"/>
+              <a:gd name="connsiteX2" fmla="*/ 6468290 w 12191999"/>
+              <a:gd name="connsiteY2" fmla="*/ 0 h 5166360"/>
+              <a:gd name="connsiteX3" fmla="*/ 7796394 w 12191999"/>
+              <a:gd name="connsiteY3" fmla="*/ 0 h 5166360"/>
+              <a:gd name="connsiteX4" fmla="*/ 8376834 w 12191999"/>
+              <a:gd name="connsiteY4" fmla="*/ 0 h 5166360"/>
+              <a:gd name="connsiteX5" fmla="*/ 9704938 w 12191999"/>
+              <a:gd name="connsiteY5" fmla="*/ 0 h 5166360"/>
+              <a:gd name="connsiteX6" fmla="*/ 9704938 w 12191999"/>
+              <a:gd name="connsiteY6" fmla="*/ 2 h 5166360"/>
+              <a:gd name="connsiteX7" fmla="*/ 10283456 w 12191999"/>
+              <a:gd name="connsiteY7" fmla="*/ 2 h 5166360"/>
+              <a:gd name="connsiteX8" fmla="*/ 10863897 w 12191999"/>
+              <a:gd name="connsiteY8" fmla="*/ 2 h 5166360"/>
+              <a:gd name="connsiteX9" fmla="*/ 12191999 w 12191999"/>
+              <a:gd name="connsiteY9" fmla="*/ 2 h 5166360"/>
+              <a:gd name="connsiteX10" fmla="*/ 12191999 w 12191999"/>
+              <a:gd name="connsiteY10" fmla="*/ 5166360 h 5166360"/>
+              <a:gd name="connsiteX11" fmla="*/ 0 w 12191999"/>
+              <a:gd name="connsiteY11" fmla="*/ 5166360 h 5166360"/>
+              <a:gd name="connsiteX12" fmla="*/ 0 w 12191999"/>
+              <a:gd name="connsiteY12" fmla="*/ 2604436 h 5166360"/>
+              <a:gd name="connsiteX13" fmla="*/ 862341 w 12191999"/>
+              <a:gd name="connsiteY13" fmla="*/ 743371 h 5166360"/>
+              <a:gd name="connsiteX14" fmla="*/ 0 w 12191999"/>
+              <a:gd name="connsiteY14" fmla="*/ 743371 h 5166360"/>
+              <a:gd name="connsiteX15" fmla="*/ 0 w 12191999"/>
+              <a:gd name="connsiteY15" fmla="*/ 742508 h 5166360"/>
+              <a:gd name="connsiteX16" fmla="*/ 92826 w 12191999"/>
+              <a:gd name="connsiteY16" fmla="*/ 742508 h 5166360"/>
+              <a:gd name="connsiteX17" fmla="*/ 406486 w 12191999"/>
+              <a:gd name="connsiteY17" fmla="*/ 742508 h 5166360"/>
+              <a:gd name="connsiteX18" fmla="*/ 406486 w 12191999"/>
+              <a:gd name="connsiteY18" fmla="*/ 742507 h 5166360"/>
+              <a:gd name="connsiteX19" fmla="*/ 862741 w 12191999"/>
+              <a:gd name="connsiteY19" fmla="*/ 742507 h 5166360"/>
+              <a:gd name="connsiteX20" fmla="*/ 1206388 w 12191999"/>
+              <a:gd name="connsiteY20" fmla="*/ 864 h 5166360"/>
+              <a:gd name="connsiteX21" fmla="*/ 748500 w 12191999"/>
+              <a:gd name="connsiteY21" fmla="*/ 864 h 5166360"/>
+              <a:gd name="connsiteX22" fmla="*/ 0 w 12191999"/>
+              <a:gd name="connsiteY22" fmla="*/ 864 h 5166360"/>
+            </a:gdLst>
+            <a:ahLst/>
+            <a:cxnLst>
+              <a:cxn ang="0">
+                <a:pos x="connsiteX0" y="connsiteY0"/>
+              </a:cxn>
+              <a:cxn ang="0">
+                <a:pos x="connsiteX1" y="connsiteY1"/>
+              </a:cxn>
+              <a:cxn ang="0">
+                <a:pos x="connsiteX2" y="connsiteY2"/>
+              </a:cxn>
+              <a:cxn ang="0">
+                <a:pos x="connsiteX3" y="connsiteY3"/>
+              </a:cxn>
+              <a:cxn ang="0">
+                <a:pos x="connsiteX4" y="connsiteY4"/>
+              </a:cxn>
+              <a:cxn ang="0">
+                <a:pos x="connsiteX5" y="connsiteY5"/>
+              </a:cxn>
+              <a:cxn ang="0">
+                <a:pos x="connsiteX6" y="connsiteY6"/>
+              </a:cxn>
+              <a:cxn ang="0">
+                <a:pos x="connsiteX7" y="connsiteY7"/>
+              </a:cxn>
+              <a:cxn ang="0">
+                <a:pos x="connsiteX8" y="connsiteY8"/>
+              </a:cxn>
+              <a:cxn ang="0">
+                <a:pos x="connsiteX9" y="connsiteY9"/>
+              </a:cxn>
+              <a:cxn ang="0">
+                <a:pos x="connsiteX10" y="connsiteY10"/>
+              </a:cxn>
+              <a:cxn ang="0">
+                <a:pos x="connsiteX11" y="connsiteY11"/>
+              </a:cxn>
+              <a:cxn ang="0">
+                <a:pos x="connsiteX12" y="connsiteY12"/>
+              </a:cxn>
+              <a:cxn ang="0">
+                <a:pos x="connsiteX13" y="connsiteY13"/>
+              </a:cxn>
+              <a:cxn ang="0">
+                <a:pos x="connsiteX14" y="connsiteY14"/>
+              </a:cxn>
+              <a:cxn ang="0">
+                <a:pos x="connsiteX15" y="connsiteY15"/>
+              </a:cxn>
+              <a:cxn ang="0">
+                <a:pos x="connsiteX16" y="connsiteY16"/>
+              </a:cxn>
+              <a:cxn ang="0">
+                <a:pos x="connsiteX17" y="connsiteY17"/>
+              </a:cxn>
+              <a:cxn ang="0">
+                <a:pos x="connsiteX18" y="connsiteY18"/>
+              </a:cxn>
+              <a:cxn ang="0">
+                <a:pos x="connsiteX19" y="connsiteY19"/>
+              </a:cxn>
+              <a:cxn ang="0">
+                <a:pos x="connsiteX20" y="connsiteY20"/>
+              </a:cxn>
+              <a:cxn ang="0">
+                <a:pos x="connsiteX21" y="connsiteY21"/>
+              </a:cxn>
+              <a:cxn ang="0">
+                <a:pos x="connsiteX22" y="connsiteY22"/>
+              </a:cxn>
+            </a:cxnLst>
+            <a:rect l="l" t="t" r="r" b="b"/>
+            <a:pathLst>
+              <a:path w="12191999" h="5166360">
+                <a:moveTo>
+                  <a:pt x="0" y="0"/>
+                </a:moveTo>
+                <a:lnTo>
+                  <a:pt x="1822388" y="0"/>
+                </a:lnTo>
+                <a:lnTo>
+                  <a:pt x="6468290" y="0"/>
+                </a:lnTo>
+                <a:lnTo>
+                  <a:pt x="7796394" y="0"/>
+                </a:lnTo>
+                <a:lnTo>
+                  <a:pt x="8376834" y="0"/>
+                </a:lnTo>
+                <a:lnTo>
+                  <a:pt x="9704938" y="0"/>
+                </a:lnTo>
+                <a:lnTo>
+                  <a:pt x="9704938" y="2"/>
+                </a:lnTo>
+                <a:lnTo>
+                  <a:pt x="10283456" y="2"/>
+                </a:lnTo>
+                <a:lnTo>
+                  <a:pt x="10863897" y="2"/>
+                </a:lnTo>
+                <a:lnTo>
+                  <a:pt x="12191999" y="2"/>
+                </a:lnTo>
+                <a:lnTo>
+                  <a:pt x="12191999" y="5166360"/>
+                </a:lnTo>
+                <a:lnTo>
+                  <a:pt x="0" y="5166360"/>
+                </a:lnTo>
+                <a:lnTo>
+                  <a:pt x="0" y="2604436"/>
+                </a:lnTo>
+                <a:lnTo>
+                  <a:pt x="862341" y="743371"/>
+                </a:lnTo>
+                <a:lnTo>
+                  <a:pt x="0" y="743371"/>
+                </a:lnTo>
+                <a:lnTo>
+                  <a:pt x="0" y="742508"/>
+                </a:lnTo>
+                <a:lnTo>
+                  <a:pt x="92826" y="742508"/>
+                </a:lnTo>
+                <a:lnTo>
+                  <a:pt x="406486" y="742508"/>
+                </a:lnTo>
+                <a:lnTo>
+                  <a:pt x="406486" y="742507"/>
+                </a:lnTo>
+                <a:lnTo>
+                  <a:pt x="862741" y="742507"/>
+                </a:lnTo>
+                <a:lnTo>
+                  <a:pt x="1206388" y="864"/>
+                </a:lnTo>
+                <a:lnTo>
+                  <a:pt x="748500" y="864"/>
+                </a:lnTo>
+                <a:lnTo>
+                  <a:pt x="0" y="864"/>
+                </a:lnTo>
+                <a:close/>
+              </a:path>
+            </a:pathLst>
+          </a:custGeom>
+          <a:solidFill>
+            <a:srgbClr val="A6A6A6">
+              <a:alpha val="49804"/>
+            </a:srgbClr>
+          </a:solidFill>
+          <a:ln>
+            <a:noFill/>
+          </a:ln>
+        </p:spPr>
+        <p:style>
+          <a:lnRef idx="2">
+            <a:schemeClr val="accent1">
+              <a:shade val="50000"/>
+            </a:schemeClr>
+          </a:lnRef>
+          <a:fillRef idx="1">
+            <a:schemeClr val="accent1"/>
+          </a:fillRef>
+          <a:effectRef idx="0">
+            <a:schemeClr val="accent1"/>
+          </a:effectRef>
+          <a:fontRef idx="minor">
+            <a:schemeClr val="lt1"/>
+          </a:fontRef>
+        </p:style>
+        <p:txBody>
+          <a:bodyPr wrap="square" rtlCol="0" anchor="ctr">
+            <a:noAutofit/>
+          </a:bodyPr>
+          <a:lstStyle/>
+          <a:p>
+            <a:pPr algn="ctr"/>
+            <a:endParaRPr lang="en-US"/>
+          </a:p>
+        </p:txBody>
+      </p:sp>
+      <p:sp>
+        <p:nvSpPr>
+          <p:cNvPr id="12" name="Freeform: Shape 11">
+            <a:extLst>
+              <a:ext uri="{FF2B5EF4-FFF2-40B4-BE49-F238E27FC236}">
+                <a16:creationId xmlns:a16="http://schemas.microsoft.com/office/drawing/2014/main" id="{479F5F2B-8B58-4140-AE6A-51F6C67B18D9}"/>
+              </a:ext>
+              <a:ext uri="{C183D7F6-B498-43B3-948B-1728B52AA6E4}">
+                <adec:decorative xmlns:adec="http://schemas.microsoft.com/office/drawing/2017/decorative" val="1"/>
+              </a:ext>
+            </a:extLst>
+          </p:cNvPr>
+          <p:cNvSpPr>
+            <a:spLocks noGrp="1" noRot="1" noChangeAspect="1" noMove="1" noResize="1" noEditPoints="1" noAdjustHandles="1" noChangeArrowheads="1" noChangeShapeType="1" noTextEdit="1"/>
+          </p:cNvSpPr>
+          <p:nvPr>
+            <p:extLst>
+              <p:ext uri="{386F3935-93C4-4BCD-93E2-E3B085C9AB24}">
+                <p16:designElem xmlns:p16="http://schemas.microsoft.com/office/powerpoint/2015/main" val="1"/>
+              </p:ext>
+            </p:extLst>
+          </p:nvPr>
+        </p:nvSpPr>
+        <p:spPr>
+          <a:xfrm>
+            <a:off x="0" y="1691641"/>
+            <a:ext cx="971654" cy="2096979"/>
+          </a:xfrm>
+          <a:custGeom>
+            <a:avLst/>
+            <a:gdLst>
+              <a:gd name="connsiteX0" fmla="*/ 0 w 971654"/>
+              <a:gd name="connsiteY0" fmla="*/ 0 h 2096979"/>
+              <a:gd name="connsiteX1" fmla="*/ 971654 w 971654"/>
+              <a:gd name="connsiteY1" fmla="*/ 0 h 2096979"/>
+              <a:gd name="connsiteX2" fmla="*/ 0 w 971654"/>
+              <a:gd name="connsiteY2" fmla="*/ 2096979 h 2096979"/>
+            </a:gdLst>
+            <a:ahLst/>
+            <a:cxnLst>
+              <a:cxn ang="0">
+                <a:pos x="connsiteX0" y="connsiteY0"/>
+              </a:cxn>
+              <a:cxn ang="0">
+                <a:pos x="connsiteX1" y="connsiteY1"/>
+              </a:cxn>
+              <a:cxn ang="0">
+                <a:pos x="connsiteX2" y="connsiteY2"/>
+              </a:cxn>
+            </a:cxnLst>
+            <a:rect l="l" t="t" r="r" b="b"/>
+            <a:pathLst>
+              <a:path w="971654" h="2096979">
+                <a:moveTo>
+                  <a:pt x="0" y="0"/>
+                </a:moveTo>
+                <a:lnTo>
+                  <a:pt x="971654" y="0"/>
+                </a:lnTo>
+                <a:lnTo>
+                  <a:pt x="0" y="2096979"/>
+                </a:lnTo>
+                <a:close/>
+              </a:path>
+            </a:pathLst>
+          </a:custGeom>
+          <a:solidFill>
+            <a:srgbClr val="404040"/>
+          </a:solidFill>
+          <a:ln>
+            <a:noFill/>
+          </a:ln>
+        </p:spPr>
+        <p:style>
+          <a:lnRef idx="2">
+            <a:schemeClr val="accent1">
+              <a:shade val="50000"/>
+            </a:schemeClr>
+          </a:lnRef>
+          <a:fillRef idx="1">
+            <a:schemeClr val="accent1"/>
+          </a:fillRef>
+          <a:effectRef idx="0">
+            <a:schemeClr val="accent1"/>
+          </a:effectRef>
+          <a:fontRef idx="minor">
+            <a:schemeClr val="lt1"/>
+          </a:fontRef>
+        </p:style>
+        <p:txBody>
+          <a:bodyPr wrap="square" rtlCol="0" anchor="ctr">
+            <a:noAutofit/>
+          </a:bodyPr>
+          <a:lstStyle/>
+          <a:p>
+            <a:pPr algn="ctr"/>
+            <a:endParaRPr lang="en-US"/>
+          </a:p>
+        </p:txBody>
+      </p:sp>
+      <p:sp>
+        <p:nvSpPr>
           <p:cNvPr id="3" name="Content Placeholder 2">
             <a:extLst>
               <a:ext uri="{FF2B5EF4-FFF2-40B4-BE49-F238E27FC236}">
@@ -8903,26 +9479,306 @@
           <a:lstStyle/>
           <a:p>
             <a:r>
-              <a:rPr lang="en-US" sz="2000">
+              <a:rPr lang="en-US" sz="2000" dirty="0">
                 <a:solidFill>
                   <a:srgbClr val="FFFFFF"/>
                 </a:solidFill>
               </a:rPr>
-              <a:t> Som sagt skal ting I .NET ikke definers, som I COM</a:t>
-            </a:r>
-          </a:p>
-          <a:p>
-            <a:r>
-              <a:rPr lang="en-US" sz="2000">
+              <a:t> </a:t>
+            </a:r>
+            <a:r>
+              <a:rPr lang="en-US" sz="2000" dirty="0" err="1">
                 <a:solidFill>
                   <a:srgbClr val="FFFFFF"/>
                 </a:solidFill>
               </a:rPr>
-              <a:t>Alle ting bliver genereret som metadata I assembli’en, hvor manifested, kan delegere alle forventede resource og reference</a:t>
-            </a:r>
-          </a:p>
-          <a:p>
-            <a:endParaRPr lang="en-DK" sz="2000">
+              <a:t>Som</a:t>
+            </a:r>
+            <a:r>
+              <a:rPr lang="en-US" sz="2000" dirty="0">
+                <a:solidFill>
+                  <a:srgbClr val="FFFFFF"/>
+                </a:solidFill>
+              </a:rPr>
+              <a:t> </a:t>
+            </a:r>
+            <a:r>
+              <a:rPr lang="en-US" sz="2000" dirty="0" err="1">
+                <a:solidFill>
+                  <a:srgbClr val="FFFFFF"/>
+                </a:solidFill>
+              </a:rPr>
+              <a:t>sagt</a:t>
+            </a:r>
+            <a:r>
+              <a:rPr lang="en-US" sz="2000" dirty="0">
+                <a:solidFill>
+                  <a:srgbClr val="FFFFFF"/>
+                </a:solidFill>
+              </a:rPr>
+              <a:t> </a:t>
+            </a:r>
+            <a:r>
+              <a:rPr lang="en-US" sz="2000" dirty="0" err="1">
+                <a:solidFill>
+                  <a:srgbClr val="FFFFFF"/>
+                </a:solidFill>
+              </a:rPr>
+              <a:t>skal</a:t>
+            </a:r>
+            <a:r>
+              <a:rPr lang="en-US" sz="2000" dirty="0">
+                <a:solidFill>
+                  <a:srgbClr val="FFFFFF"/>
+                </a:solidFill>
+              </a:rPr>
+              <a:t> ting I .NET </a:t>
+            </a:r>
+            <a:r>
+              <a:rPr lang="en-US" sz="2000" dirty="0" err="1">
+                <a:solidFill>
+                  <a:srgbClr val="FFFFFF"/>
+                </a:solidFill>
+              </a:rPr>
+              <a:t>ikke</a:t>
+            </a:r>
+            <a:r>
+              <a:rPr lang="en-US" sz="2000" dirty="0">
+                <a:solidFill>
+                  <a:srgbClr val="FFFFFF"/>
+                </a:solidFill>
+              </a:rPr>
+              <a:t> </a:t>
+            </a:r>
+            <a:r>
+              <a:rPr lang="en-US" sz="2000" dirty="0" err="1">
+                <a:solidFill>
+                  <a:srgbClr val="FFFFFF"/>
+                </a:solidFill>
+              </a:rPr>
+              <a:t>defineres</a:t>
+            </a:r>
+            <a:r>
+              <a:rPr lang="en-US" sz="2000" dirty="0">
+                <a:solidFill>
+                  <a:srgbClr val="FFFFFF"/>
+                </a:solidFill>
+              </a:rPr>
+              <a:t>, </a:t>
+            </a:r>
+            <a:r>
+              <a:rPr lang="en-US" sz="2000" dirty="0" err="1">
+                <a:solidFill>
+                  <a:srgbClr val="FFFFFF"/>
+                </a:solidFill>
+              </a:rPr>
+              <a:t>som</a:t>
+            </a:r>
+            <a:r>
+              <a:rPr lang="en-US" sz="2000" dirty="0">
+                <a:solidFill>
+                  <a:srgbClr val="FFFFFF"/>
+                </a:solidFill>
+              </a:rPr>
+              <a:t> I COM</a:t>
+            </a:r>
+          </a:p>
+          <a:p>
+            <a:r>
+              <a:rPr lang="en-US" sz="2000" dirty="0" err="1">
+                <a:solidFill>
+                  <a:srgbClr val="FFFFFF"/>
+                </a:solidFill>
+              </a:rPr>
+              <a:t>Alle</a:t>
+            </a:r>
+            <a:r>
+              <a:rPr lang="en-US" sz="2000" dirty="0">
+                <a:solidFill>
+                  <a:srgbClr val="FFFFFF"/>
+                </a:solidFill>
+              </a:rPr>
+              <a:t> ting </a:t>
+            </a:r>
+            <a:r>
+              <a:rPr lang="en-US" sz="2000" dirty="0" err="1">
+                <a:solidFill>
+                  <a:srgbClr val="FFFFFF"/>
+                </a:solidFill>
+              </a:rPr>
+              <a:t>bliver</a:t>
+            </a:r>
+            <a:r>
+              <a:rPr lang="en-US" sz="2000" dirty="0">
+                <a:solidFill>
+                  <a:srgbClr val="FFFFFF"/>
+                </a:solidFill>
+              </a:rPr>
+              <a:t> </a:t>
+            </a:r>
+            <a:r>
+              <a:rPr lang="en-US" sz="2000" dirty="0" err="1">
+                <a:solidFill>
+                  <a:srgbClr val="FFFFFF"/>
+                </a:solidFill>
+              </a:rPr>
+              <a:t>genereret</a:t>
+            </a:r>
+            <a:r>
+              <a:rPr lang="en-US" sz="2000" dirty="0">
+                <a:solidFill>
+                  <a:srgbClr val="FFFFFF"/>
+                </a:solidFill>
+              </a:rPr>
+              <a:t> </a:t>
+            </a:r>
+            <a:r>
+              <a:rPr lang="en-US" sz="2000" dirty="0" err="1">
+                <a:solidFill>
+                  <a:srgbClr val="FFFFFF"/>
+                </a:solidFill>
+              </a:rPr>
+              <a:t>som</a:t>
+            </a:r>
+            <a:r>
+              <a:rPr lang="en-US" sz="2000" dirty="0">
+                <a:solidFill>
+                  <a:srgbClr val="FFFFFF"/>
+                </a:solidFill>
+              </a:rPr>
+              <a:t> metadata I </a:t>
+            </a:r>
+            <a:r>
+              <a:rPr lang="en-US" sz="2000" dirty="0" err="1">
+                <a:solidFill>
+                  <a:srgbClr val="FFFFFF"/>
+                </a:solidFill>
+              </a:rPr>
+              <a:t>vores</a:t>
+            </a:r>
+            <a:r>
+              <a:rPr lang="en-US" sz="2000" dirty="0">
+                <a:solidFill>
+                  <a:srgbClr val="FFFFFF"/>
+                </a:solidFill>
+              </a:rPr>
+              <a:t> assembly, </a:t>
+            </a:r>
+            <a:r>
+              <a:rPr lang="en-US" sz="2000" dirty="0" err="1">
+                <a:solidFill>
+                  <a:srgbClr val="FFFFFF"/>
+                </a:solidFill>
+              </a:rPr>
+              <a:t>hvor</a:t>
+            </a:r>
+            <a:r>
+              <a:rPr lang="en-US" sz="2000" dirty="0">
+                <a:solidFill>
+                  <a:srgbClr val="FFFFFF"/>
+                </a:solidFill>
+              </a:rPr>
+              <a:t> </a:t>
+            </a:r>
+            <a:r>
+              <a:rPr lang="en-US" sz="2000" dirty="0" err="1">
+                <a:solidFill>
+                  <a:srgbClr val="FFFFFF"/>
+                </a:solidFill>
+              </a:rPr>
+              <a:t>manifestet</a:t>
+            </a:r>
+            <a:r>
+              <a:rPr lang="en-US" sz="2000" dirty="0">
+                <a:solidFill>
+                  <a:srgbClr val="FFFFFF"/>
+                </a:solidFill>
+              </a:rPr>
+              <a:t>, </a:t>
+            </a:r>
+            <a:r>
+              <a:rPr lang="en-US" sz="2000" dirty="0" err="1">
+                <a:solidFill>
+                  <a:srgbClr val="FFFFFF"/>
+                </a:solidFill>
+              </a:rPr>
+              <a:t>kan</a:t>
+            </a:r>
+            <a:r>
+              <a:rPr lang="en-US" sz="2000" dirty="0">
+                <a:solidFill>
+                  <a:srgbClr val="FFFFFF"/>
+                </a:solidFill>
+              </a:rPr>
+              <a:t> </a:t>
+            </a:r>
+            <a:r>
+              <a:rPr lang="en-US" sz="2000" dirty="0" err="1">
+                <a:solidFill>
+                  <a:srgbClr val="FFFFFF"/>
+                </a:solidFill>
+              </a:rPr>
+              <a:t>delegere</a:t>
+            </a:r>
+            <a:r>
+              <a:rPr lang="en-US" sz="2000" dirty="0">
+                <a:solidFill>
+                  <a:srgbClr val="FFFFFF"/>
+                </a:solidFill>
+              </a:rPr>
+              <a:t> </a:t>
+            </a:r>
+            <a:r>
+              <a:rPr lang="en-US" sz="2000" dirty="0" err="1">
+                <a:solidFill>
+                  <a:srgbClr val="FFFFFF"/>
+                </a:solidFill>
+              </a:rPr>
+              <a:t>alle</a:t>
+            </a:r>
+            <a:r>
+              <a:rPr lang="en-US" sz="2000" dirty="0">
+                <a:solidFill>
+                  <a:srgbClr val="FFFFFF"/>
+                </a:solidFill>
+              </a:rPr>
+              <a:t> </a:t>
+            </a:r>
+            <a:r>
+              <a:rPr lang="en-US" sz="2000" dirty="0" err="1">
+                <a:solidFill>
+                  <a:srgbClr val="FFFFFF"/>
+                </a:solidFill>
+              </a:rPr>
+              <a:t>forventede</a:t>
+            </a:r>
+            <a:r>
+              <a:rPr lang="en-US" sz="2000" dirty="0">
+                <a:solidFill>
+                  <a:srgbClr val="FFFFFF"/>
+                </a:solidFill>
+              </a:rPr>
+              <a:t> resources </a:t>
+            </a:r>
+            <a:r>
+              <a:rPr lang="en-US" sz="2000" dirty="0" err="1">
+                <a:solidFill>
+                  <a:srgbClr val="FFFFFF"/>
+                </a:solidFill>
+              </a:rPr>
+              <a:t>og</a:t>
+            </a:r>
+            <a:r>
+              <a:rPr lang="en-US" sz="2000" dirty="0">
+                <a:solidFill>
+                  <a:srgbClr val="FFFFFF"/>
+                </a:solidFill>
+              </a:rPr>
+              <a:t> references</a:t>
+            </a:r>
+          </a:p>
+          <a:p>
+            <a:endParaRPr lang="en-DK" sz="2000" dirty="0">
               <a:solidFill>
                 <a:srgbClr val="FFFFFF"/>
               </a:solidFill>
@@ -9510,6 +10366,41 @@
           <a:lstStyle/>
           <a:p>
             <a:endParaRPr lang="en-US" sz="2000"/>
+          </a:p>
+        </p:txBody>
+      </p:sp>
+      <p:sp>
+        <p:nvSpPr>
+          <p:cNvPr id="2" name="TextBox 11">
+            <a:extLst>
+              <a:ext uri="{FF2B5EF4-FFF2-40B4-BE49-F238E27FC236}">
+                <a16:creationId xmlns:a16="http://schemas.microsoft.com/office/drawing/2014/main" id="{F7EFFE2A-EE76-4FE0-BADB-3BBE57C83C5A}"/>
+              </a:ext>
+            </a:extLst>
+          </p:cNvPr>
+          <p:cNvSpPr txBox="1"/>
+          <p:nvPr/>
+        </p:nvSpPr>
+        <p:spPr>
+          <a:xfrm>
+            <a:off x="2846452" y="4928767"/>
+            <a:ext cx="2910980" cy="369332"/>
+          </a:xfrm>
+          <a:prstGeom prst="rect">
+            <a:avLst/>
+          </a:prstGeom>
+          <a:noFill/>
+        </p:spPr>
+        <p:txBody>
+          <a:bodyPr wrap="square" rtlCol="0">
+            <a:spAutoFit/>
+          </a:bodyPr>
+          <a:lstStyle/>
+          <a:p>
+            <a:r>
+              <a:rPr lang="da-DK" dirty="0"/>
+              <a:t>Kilde: Lektions slides</a:t>
+            </a:r>
           </a:p>
         </p:txBody>
       </p:sp>

--- a/Presentations/3_NET_componenter.pptx
+++ b/Presentations/3_NET_componenter.pptx
@@ -8,8 +8,8 @@
     <p:sldId id="256" r:id="rId2"/>
     <p:sldId id="262" r:id="rId3"/>
     <p:sldId id="257" r:id="rId4"/>
-    <p:sldId id="263" r:id="rId5"/>
-    <p:sldId id="259" r:id="rId6"/>
+    <p:sldId id="259" r:id="rId5"/>
+    <p:sldId id="263" r:id="rId6"/>
     <p:sldId id="261" r:id="rId7"/>
     <p:sldId id="260" r:id="rId8"/>
     <p:sldId id="264" r:id="rId9"/>
@@ -5216,7 +5216,7 @@
                   <a:schemeClr val="bg1"/>
                 </a:solidFill>
               </a:rPr>
-              <a:t>alokeret</a:t>
+              <a:t>allokeret</a:t>
             </a:r>
             <a:r>
               <a:rPr lang="en-US" sz="2400" dirty="0">
@@ -5296,7 +5296,7 @@
                   <a:schemeClr val="bg1"/>
                 </a:solidFill>
               </a:rPr>
-              <a:t>dealokeret</a:t>
+              <a:t>deallokeret</a:t>
             </a:r>
             <a:r>
               <a:rPr lang="en-US" sz="2400" dirty="0">
@@ -8219,21 +8219,95 @@
           <a:lstStyle/>
           <a:p>
             <a:r>
-              <a:rPr lang="en-US" sz="2400"/>
-              <a:t>Vi started af med COM</a:t>
-            </a:r>
-          </a:p>
-          <a:p>
-            <a:r>
-              <a:rPr lang="en-US" sz="2400"/>
-              <a:t>COM gjorde det muligt at binde komponenter sammen</a:t>
-            </a:r>
-          </a:p>
-          <a:p>
-            <a:r>
-              <a:rPr lang="en-US" sz="2400"/>
-              <a:t>Der var krav fra applikationerne</a:t>
-            </a:r>
+              <a:rPr lang="en-US" sz="2400" dirty="0"/>
+              <a:t>Vi </a:t>
+            </a:r>
+            <a:r>
+              <a:rPr lang="en-US" sz="2400" dirty="0" err="1"/>
+              <a:t>startede</a:t>
+            </a:r>
+            <a:r>
+              <a:rPr lang="en-US" sz="2400" dirty="0"/>
+              <a:t> </a:t>
+            </a:r>
+            <a:r>
+              <a:rPr lang="en-US" sz="2400" dirty="0" err="1"/>
+              <a:t>af</a:t>
+            </a:r>
+            <a:r>
+              <a:rPr lang="en-US" sz="2400" dirty="0"/>
+              <a:t> med COM</a:t>
+            </a:r>
+          </a:p>
+          <a:p>
+            <a:r>
+              <a:rPr lang="en-US" sz="2400" dirty="0"/>
+              <a:t>COM </a:t>
+            </a:r>
+            <a:r>
+              <a:rPr lang="en-US" sz="2400" dirty="0" err="1"/>
+              <a:t>gjorde</a:t>
+            </a:r>
+            <a:r>
+              <a:rPr lang="en-US" sz="2400" dirty="0"/>
+              <a:t> det </a:t>
+            </a:r>
+            <a:r>
+              <a:rPr lang="en-US" sz="2400" dirty="0" err="1"/>
+              <a:t>muligt</a:t>
+            </a:r>
+            <a:r>
+              <a:rPr lang="en-US" sz="2400" dirty="0"/>
+              <a:t> at </a:t>
+            </a:r>
+            <a:r>
+              <a:rPr lang="en-US" sz="2400" dirty="0" err="1"/>
+              <a:t>binde</a:t>
+            </a:r>
+            <a:r>
+              <a:rPr lang="en-US" sz="2400" dirty="0"/>
+              <a:t> </a:t>
+            </a:r>
+            <a:r>
+              <a:rPr lang="en-US" sz="2400" dirty="0" err="1"/>
+              <a:t>komponenter</a:t>
+            </a:r>
+            <a:r>
+              <a:rPr lang="en-US" sz="2400" dirty="0"/>
+              <a:t> </a:t>
+            </a:r>
+            <a:r>
+              <a:rPr lang="en-US" sz="2400" dirty="0" err="1"/>
+              <a:t>sammen</a:t>
+            </a:r>
+            <a:endParaRPr lang="en-US" sz="2400" dirty="0"/>
+          </a:p>
+          <a:p>
+            <a:r>
+              <a:rPr lang="en-US" sz="2400" dirty="0"/>
+              <a:t>Der var </a:t>
+            </a:r>
+            <a:r>
+              <a:rPr lang="en-US" sz="2400" dirty="0" err="1"/>
+              <a:t>krav</a:t>
+            </a:r>
+            <a:r>
+              <a:rPr lang="en-US" sz="2400" dirty="0"/>
+              <a:t> </a:t>
+            </a:r>
+            <a:r>
+              <a:rPr lang="en-US" sz="2400" dirty="0" err="1"/>
+              <a:t>fra</a:t>
+            </a:r>
+            <a:r>
+              <a:rPr lang="en-US" sz="2400" dirty="0"/>
+              <a:t> </a:t>
+            </a:r>
+            <a:r>
+              <a:rPr lang="en-US" sz="2400" dirty="0" err="1"/>
+              <a:t>applikationerne</a:t>
+            </a:r>
+            <a:endParaRPr lang="en-US" sz="2400" dirty="0"/>
           </a:p>
           <a:p>
             <a:pPr lvl="1"/>
@@ -8242,7 +8316,7 @@
               <a:t>De </a:t>
             </a:r>
             <a:r>
-              <a:rPr lang="en-US"/>
+              <a:rPr lang="en-US" dirty="0" err="1"/>
               <a:t>skulle</a:t>
             </a:r>
             <a:r>
@@ -8250,7 +8324,7 @@
               <a:t> </a:t>
             </a:r>
             <a:r>
-              <a:rPr lang="en-US"/>
+              <a:rPr lang="en-US" dirty="0" err="1"/>
               <a:t>selv</a:t>
             </a:r>
             <a:r>
@@ -8258,7 +8332,7 @@
               <a:t> </a:t>
             </a:r>
             <a:r>
-              <a:rPr lang="en-US"/>
+              <a:rPr lang="en-US" dirty="0" err="1"/>
               <a:t>sørge</a:t>
             </a:r>
             <a:r>
@@ -8266,7 +8340,7 @@
               <a:t> for at </a:t>
             </a:r>
             <a:r>
-              <a:rPr lang="en-US"/>
+              <a:rPr lang="en-US" dirty="0" err="1"/>
               <a:t>være</a:t>
             </a:r>
             <a:r>
@@ -8274,7 +8348,7 @@
               <a:t> </a:t>
             </a:r>
             <a:r>
-              <a:rPr lang="en-US"/>
+              <a:rPr lang="en-US" dirty="0" err="1"/>
               <a:t>integreret</a:t>
             </a:r>
             <a:r>
@@ -8282,7 +8356,7 @@
               <a:t> </a:t>
             </a:r>
             <a:r>
-              <a:rPr lang="en-US"/>
+              <a:rPr lang="en-US" dirty="0" err="1"/>
               <a:t>således</a:t>
             </a:r>
             <a:r>
@@ -8290,7 +8364,7 @@
               <a:t> at der </a:t>
             </a:r>
             <a:r>
-              <a:rPr lang="en-US"/>
+              <a:rPr lang="en-US" dirty="0" err="1"/>
               <a:t>kunne</a:t>
             </a:r>
             <a:r>
@@ -8298,7 +8372,7 @@
               <a:t> </a:t>
             </a:r>
             <a:r>
-              <a:rPr lang="en-US"/>
+              <a:rPr lang="en-US" dirty="0" err="1"/>
               <a:t>forbindes</a:t>
             </a:r>
             <a:r>
@@ -8306,7 +8380,7 @@
               <a:t> </a:t>
             </a:r>
             <a:r>
-              <a:rPr lang="en-US"/>
+              <a:rPr lang="en-US" dirty="0" err="1"/>
               <a:t>til</a:t>
             </a:r>
             <a:r>
@@ -8314,7 +8388,7 @@
               <a:t> dem. (DLL </a:t>
             </a:r>
             <a:r>
-              <a:rPr lang="en-US"/>
+              <a:rPr lang="en-US" dirty="0" err="1"/>
               <a:t>og</a:t>
             </a:r>
             <a:r>
@@ -8322,7 +8396,7 @@
               <a:t> </a:t>
             </a:r>
             <a:r>
-              <a:rPr lang="en-US"/>
+              <a:rPr lang="en-US" dirty="0" err="1"/>
               <a:t>lignende</a:t>
             </a:r>
             <a:r>
@@ -8333,7 +8407,7 @@
           <a:p>
             <a:pPr lvl="1"/>
             <a:r>
-              <a:rPr lang="en-US"/>
+              <a:rPr lang="en-US" dirty="0" err="1"/>
               <a:t>Samtidig</a:t>
             </a:r>
             <a:r>
@@ -8341,7 +8415,7 @@
               <a:t> </a:t>
             </a:r>
             <a:r>
-              <a:rPr lang="en-US"/>
+              <a:rPr lang="en-US" dirty="0" err="1"/>
               <a:t>kunne</a:t>
             </a:r>
             <a:r>
@@ -8349,7 +8423,7 @@
               <a:t> </a:t>
             </a:r>
             <a:r>
-              <a:rPr lang="en-US"/>
+              <a:rPr lang="en-US" dirty="0" err="1"/>
               <a:t>objekter</a:t>
             </a:r>
             <a:r>
@@ -8357,15 +8431,15 @@
               <a:t> </a:t>
             </a:r>
             <a:r>
-              <a:rPr lang="en-US"/>
-              <a:t>ikek</a:t>
+              <a:rPr lang="en-US" dirty="0" err="1"/>
+              <a:t>ikke</a:t>
             </a:r>
             <a:r>
               <a:rPr lang="en-US" dirty="0"/>
               <a:t> tale </a:t>
             </a:r>
             <a:r>
-              <a:rPr lang="en-US"/>
+              <a:rPr lang="en-US" dirty="0" err="1"/>
               <a:t>sammen</a:t>
             </a:r>
             <a:r>
@@ -8373,17 +8447,33 @@
               <a:t> </a:t>
             </a:r>
             <a:r>
-              <a:rPr lang="en-US"/>
+              <a:rPr lang="en-US" dirty="0" err="1"/>
               <a:t>direkte</a:t>
             </a:r>
             <a:endParaRPr lang="en-US" dirty="0"/>
           </a:p>
           <a:p>
             <a:r>
-              <a:rPr lang="en-US" sz="2400"/>
-              <a:t>Herefter kom .NET modelen</a:t>
-            </a:r>
-            <a:endParaRPr lang="en-DK" sz="2400"/>
+              <a:rPr lang="en-US" sz="2400" dirty="0" err="1"/>
+              <a:t>Herefter</a:t>
+            </a:r>
+            <a:r>
+              <a:rPr lang="en-US" sz="2400" dirty="0"/>
+              <a:t> </a:t>
+            </a:r>
+            <a:r>
+              <a:rPr lang="en-US" sz="2400" dirty="0" err="1"/>
+              <a:t>kom</a:t>
+            </a:r>
+            <a:r>
+              <a:rPr lang="en-US" sz="2400" dirty="0"/>
+              <a:t> .NET </a:t>
+            </a:r>
+            <a:r>
+              <a:rPr lang="en-US" sz="2400" dirty="0" err="1"/>
+              <a:t>modelen</a:t>
+            </a:r>
+            <a:endParaRPr lang="en-DK" sz="2400" dirty="0"/>
           </a:p>
         </p:txBody>
       </p:sp>
@@ -9004,852 +9094,6 @@
 </file>
 
 <file path=ppt/slides/slide4.xml><?xml version="1.0" encoding="utf-8"?>
-<p:sld xmlns:a="http://schemas.openxmlformats.org/drawingml/2006/main" xmlns:r="http://schemas.openxmlformats.org/officeDocument/2006/relationships" xmlns:p="http://schemas.openxmlformats.org/presentationml/2006/main">
-  <p:cSld>
-    <p:bg>
-      <p:bgPr>
-        <a:solidFill>
-          <a:schemeClr val="bg1"/>
-        </a:solidFill>
-        <a:effectLst/>
-      </p:bgPr>
-    </p:bg>
-    <p:spTree>
-      <p:nvGrpSpPr>
-        <p:cNvPr id="1" name=""/>
-        <p:cNvGrpSpPr/>
-        <p:nvPr/>
-      </p:nvGrpSpPr>
-      <p:grpSpPr>
-        <a:xfrm>
-          <a:off x="0" y="0"/>
-          <a:ext cx="0" cy="0"/>
-          <a:chOff x="0" y="0"/>
-          <a:chExt cx="0" cy="0"/>
-        </a:xfrm>
-      </p:grpSpPr>
-      <p:sp>
-        <p:nvSpPr>
-          <p:cNvPr id="2" name="Title 1">
-            <a:extLst>
-              <a:ext uri="{FF2B5EF4-FFF2-40B4-BE49-F238E27FC236}">
-                <a16:creationId xmlns:a16="http://schemas.microsoft.com/office/drawing/2014/main" id="{D073BFCF-E401-41D6-9749-BF306BCF5F19}"/>
-              </a:ext>
-            </a:extLst>
-          </p:cNvPr>
-          <p:cNvSpPr>
-            <a:spLocks noGrp="1"/>
-          </p:cNvSpPr>
-          <p:nvPr>
-            <p:ph type="title"/>
-          </p:nvPr>
-        </p:nvSpPr>
-        <p:spPr>
-          <a:xfrm>
-            <a:off x="838200" y="365126"/>
-            <a:ext cx="5340605" cy="1146176"/>
-          </a:xfrm>
-        </p:spPr>
-        <p:txBody>
-          <a:bodyPr>
-            <a:normAutofit/>
-          </a:bodyPr>
-          <a:lstStyle/>
-          <a:p>
-            <a:r>
-              <a:rPr lang="en-US"/>
-              <a:t>Assemblies</a:t>
-            </a:r>
-            <a:endParaRPr lang="en-DK"/>
-          </a:p>
-        </p:txBody>
-      </p:sp>
-      <p:sp>
-        <p:nvSpPr>
-          <p:cNvPr id="26" name="Freeform: Shape 25">
-            <a:extLst>
-              <a:ext uri="{FF2B5EF4-FFF2-40B4-BE49-F238E27FC236}">
-                <a16:creationId xmlns:a16="http://schemas.microsoft.com/office/drawing/2014/main" id="{05C7EBC3-4672-4DAB-81C2-58661FAFAED6}"/>
-              </a:ext>
-              <a:ext uri="{C183D7F6-B498-43B3-948B-1728B52AA6E4}">
-                <adec:decorative xmlns:adec="http://schemas.microsoft.com/office/drawing/2017/decorative" val="1"/>
-              </a:ext>
-            </a:extLst>
-          </p:cNvPr>
-          <p:cNvSpPr>
-            <a:spLocks noGrp="1" noRot="1" noChangeAspect="1" noMove="1" noResize="1" noEditPoints="1" noAdjustHandles="1" noChangeArrowheads="1" noChangeShapeType="1" noTextEdit="1"/>
-          </p:cNvSpPr>
-          <p:nvPr>
-            <p:extLst>
-              <p:ext uri="{386F3935-93C4-4BCD-93E2-E3B085C9AB24}">
-                <p16:designElem xmlns:p16="http://schemas.microsoft.com/office/powerpoint/2015/main" val="1"/>
-              </p:ext>
-            </p:extLst>
-          </p:nvPr>
-        </p:nvSpPr>
-        <p:spPr>
-          <a:xfrm>
-            <a:off x="6178805" y="-2"/>
-            <a:ext cx="6013194" cy="1511304"/>
-          </a:xfrm>
-          <a:custGeom>
-            <a:avLst/>
-            <a:gdLst>
-              <a:gd name="connsiteX0" fmla="*/ 4545473 w 6013194"/>
-              <a:gd name="connsiteY0" fmla="*/ 0 h 1511304"/>
-              <a:gd name="connsiteX1" fmla="*/ 6013194 w 6013194"/>
-              <a:gd name="connsiteY1" fmla="*/ 0 h 1511304"/>
-              <a:gd name="connsiteX2" fmla="*/ 6013194 w 6013194"/>
-              <a:gd name="connsiteY2" fmla="*/ 1508760 h 1511304"/>
-              <a:gd name="connsiteX3" fmla="*/ 4545474 w 6013194"/>
-              <a:gd name="connsiteY3" fmla="*/ 1508760 h 1511304"/>
-              <a:gd name="connsiteX4" fmla="*/ 4545474 w 6013194"/>
-              <a:gd name="connsiteY4" fmla="*/ 1511304 h 1511304"/>
-              <a:gd name="connsiteX5" fmla="*/ 0 w 6013194"/>
-              <a:gd name="connsiteY5" fmla="*/ 1511304 h 1511304"/>
-              <a:gd name="connsiteX6" fmla="*/ 697617 w 6013194"/>
-              <a:gd name="connsiteY6" fmla="*/ 3 h 1511304"/>
-              <a:gd name="connsiteX7" fmla="*/ 4545473 w 6013194"/>
-              <a:gd name="connsiteY7" fmla="*/ 3 h 1511304"/>
-            </a:gdLst>
-            <a:ahLst/>
-            <a:cxnLst>
-              <a:cxn ang="0">
-                <a:pos x="connsiteX0" y="connsiteY0"/>
-              </a:cxn>
-              <a:cxn ang="0">
-                <a:pos x="connsiteX1" y="connsiteY1"/>
-              </a:cxn>
-              <a:cxn ang="0">
-                <a:pos x="connsiteX2" y="connsiteY2"/>
-              </a:cxn>
-              <a:cxn ang="0">
-                <a:pos x="connsiteX3" y="connsiteY3"/>
-              </a:cxn>
-              <a:cxn ang="0">
-                <a:pos x="connsiteX4" y="connsiteY4"/>
-              </a:cxn>
-              <a:cxn ang="0">
-                <a:pos x="connsiteX5" y="connsiteY5"/>
-              </a:cxn>
-              <a:cxn ang="0">
-                <a:pos x="connsiteX6" y="connsiteY6"/>
-              </a:cxn>
-              <a:cxn ang="0">
-                <a:pos x="connsiteX7" y="connsiteY7"/>
-              </a:cxn>
-            </a:cxnLst>
-            <a:rect l="l" t="t" r="r" b="b"/>
-            <a:pathLst>
-              <a:path w="6013194" h="1511304">
-                <a:moveTo>
-                  <a:pt x="4545473" y="0"/>
-                </a:moveTo>
-                <a:lnTo>
-                  <a:pt x="6013194" y="0"/>
-                </a:lnTo>
-                <a:lnTo>
-                  <a:pt x="6013194" y="1508760"/>
-                </a:lnTo>
-                <a:lnTo>
-                  <a:pt x="4545474" y="1508760"/>
-                </a:lnTo>
-                <a:lnTo>
-                  <a:pt x="4545474" y="1511304"/>
-                </a:lnTo>
-                <a:lnTo>
-                  <a:pt x="0" y="1511304"/>
-                </a:lnTo>
-                <a:lnTo>
-                  <a:pt x="697617" y="3"/>
-                </a:lnTo>
-                <a:lnTo>
-                  <a:pt x="4545473" y="3"/>
-                </a:lnTo>
-                <a:close/>
-              </a:path>
-            </a:pathLst>
-          </a:custGeom>
-          <a:solidFill>
-            <a:schemeClr val="accent4"/>
-          </a:solidFill>
-          <a:ln>
-            <a:noFill/>
-          </a:ln>
-        </p:spPr>
-        <p:style>
-          <a:lnRef idx="2">
-            <a:schemeClr val="accent1">
-              <a:shade val="50000"/>
-            </a:schemeClr>
-          </a:lnRef>
-          <a:fillRef idx="1">
-            <a:schemeClr val="accent1"/>
-          </a:fillRef>
-          <a:effectRef idx="0">
-            <a:schemeClr val="accent1"/>
-          </a:effectRef>
-          <a:fontRef idx="minor">
-            <a:schemeClr val="lt1"/>
-          </a:fontRef>
-        </p:style>
-        <p:txBody>
-          <a:bodyPr rtlCol="0" anchor="ctr"/>
-          <a:lstStyle/>
-          <a:p>
-            <a:pPr algn="ctr"/>
-            <a:endParaRPr lang="en-US"/>
-          </a:p>
-        </p:txBody>
-      </p:sp>
-      <p:sp>
-        <p:nvSpPr>
-          <p:cNvPr id="28" name="Freeform: Shape 27">
-            <a:extLst>
-              <a:ext uri="{FF2B5EF4-FFF2-40B4-BE49-F238E27FC236}">
-                <a16:creationId xmlns:a16="http://schemas.microsoft.com/office/drawing/2014/main" id="{40BF962F-4C6F-461E-86F2-C43F56CC939B}"/>
-              </a:ext>
-              <a:ext uri="{C183D7F6-B498-43B3-948B-1728B52AA6E4}">
-                <adec:decorative xmlns:adec="http://schemas.microsoft.com/office/drawing/2017/decorative" val="1"/>
-              </a:ext>
-            </a:extLst>
-          </p:cNvPr>
-          <p:cNvSpPr>
-            <a:spLocks noGrp="1" noRot="1" noChangeAspect="1" noMove="1" noResize="1" noEditPoints="1" noAdjustHandles="1" noChangeArrowheads="1" noChangeShapeType="1" noTextEdit="1"/>
-          </p:cNvSpPr>
-          <p:nvPr>
-            <p:extLst>
-              <p:ext uri="{386F3935-93C4-4BCD-93E2-E3B085C9AB24}">
-                <p16:designElem xmlns:p16="http://schemas.microsoft.com/office/powerpoint/2015/main" val="1"/>
-              </p:ext>
-            </p:extLst>
-          </p:nvPr>
-        </p:nvSpPr>
-        <p:spPr>
-          <a:xfrm>
-            <a:off x="3480797" y="1690688"/>
-            <a:ext cx="8711202" cy="5167312"/>
-          </a:xfrm>
-          <a:custGeom>
-            <a:avLst/>
-            <a:gdLst>
-              <a:gd name="connsiteX0" fmla="*/ 0 w 8711202"/>
-              <a:gd name="connsiteY0" fmla="*/ 0 h 5167312"/>
-              <a:gd name="connsiteX1" fmla="*/ 7243482 w 8711202"/>
-              <a:gd name="connsiteY1" fmla="*/ 0 h 5167312"/>
-              <a:gd name="connsiteX2" fmla="*/ 8711202 w 8711202"/>
-              <a:gd name="connsiteY2" fmla="*/ 0 h 5167312"/>
-              <a:gd name="connsiteX3" fmla="*/ 8711202 w 8711202"/>
-              <a:gd name="connsiteY3" fmla="*/ 5167312 h 5167312"/>
-              <a:gd name="connsiteX4" fmla="*/ 7243482 w 8711202"/>
-              <a:gd name="connsiteY4" fmla="*/ 5167312 h 5167312"/>
-              <a:gd name="connsiteX5" fmla="*/ 221324 w 8711202"/>
-              <a:gd name="connsiteY5" fmla="*/ 5167312 h 5167312"/>
-              <a:gd name="connsiteX6" fmla="*/ 2615203 w 8711202"/>
-              <a:gd name="connsiteY6" fmla="*/ 952 h 5167312"/>
-              <a:gd name="connsiteX7" fmla="*/ 0 w 8711202"/>
-              <a:gd name="connsiteY7" fmla="*/ 952 h 5167312"/>
-            </a:gdLst>
-            <a:ahLst/>
-            <a:cxnLst>
-              <a:cxn ang="0">
-                <a:pos x="connsiteX0" y="connsiteY0"/>
-              </a:cxn>
-              <a:cxn ang="0">
-                <a:pos x="connsiteX1" y="connsiteY1"/>
-              </a:cxn>
-              <a:cxn ang="0">
-                <a:pos x="connsiteX2" y="connsiteY2"/>
-              </a:cxn>
-              <a:cxn ang="0">
-                <a:pos x="connsiteX3" y="connsiteY3"/>
-              </a:cxn>
-              <a:cxn ang="0">
-                <a:pos x="connsiteX4" y="connsiteY4"/>
-              </a:cxn>
-              <a:cxn ang="0">
-                <a:pos x="connsiteX5" y="connsiteY5"/>
-              </a:cxn>
-              <a:cxn ang="0">
-                <a:pos x="connsiteX6" y="connsiteY6"/>
-              </a:cxn>
-              <a:cxn ang="0">
-                <a:pos x="connsiteX7" y="connsiteY7"/>
-              </a:cxn>
-            </a:cxnLst>
-            <a:rect l="l" t="t" r="r" b="b"/>
-            <a:pathLst>
-              <a:path w="8711202" h="5167312">
-                <a:moveTo>
-                  <a:pt x="0" y="0"/>
-                </a:moveTo>
-                <a:lnTo>
-                  <a:pt x="7243482" y="0"/>
-                </a:lnTo>
-                <a:lnTo>
-                  <a:pt x="8711202" y="0"/>
-                </a:lnTo>
-                <a:lnTo>
-                  <a:pt x="8711202" y="5167312"/>
-                </a:lnTo>
-                <a:lnTo>
-                  <a:pt x="7243482" y="5167312"/>
-                </a:lnTo>
-                <a:lnTo>
-                  <a:pt x="221324" y="5167312"/>
-                </a:lnTo>
-                <a:lnTo>
-                  <a:pt x="2615203" y="952"/>
-                </a:lnTo>
-                <a:lnTo>
-                  <a:pt x="0" y="952"/>
-                </a:lnTo>
-                <a:close/>
-              </a:path>
-            </a:pathLst>
-          </a:custGeom>
-          <a:solidFill>
-            <a:srgbClr val="A6A6A6">
-              <a:alpha val="49804"/>
-            </a:srgbClr>
-          </a:solidFill>
-          <a:ln>
-            <a:noFill/>
-          </a:ln>
-        </p:spPr>
-        <p:style>
-          <a:lnRef idx="2">
-            <a:schemeClr val="accent1">
-              <a:shade val="50000"/>
-            </a:schemeClr>
-          </a:lnRef>
-          <a:fillRef idx="1">
-            <a:schemeClr val="accent1"/>
-          </a:fillRef>
-          <a:effectRef idx="0">
-            <a:schemeClr val="accent1"/>
-          </a:effectRef>
-          <a:fontRef idx="minor">
-            <a:schemeClr val="lt1"/>
-          </a:fontRef>
-        </p:style>
-        <p:txBody>
-          <a:bodyPr rtlCol="0" anchor="ctr"/>
-          <a:lstStyle/>
-          <a:p>
-            <a:pPr algn="ctr"/>
-            <a:endParaRPr lang="en-US"/>
-          </a:p>
-        </p:txBody>
-      </p:sp>
-      <p:sp>
-        <p:nvSpPr>
-          <p:cNvPr id="30" name="Freeform: Shape 29">
-            <a:extLst>
-              <a:ext uri="{FF2B5EF4-FFF2-40B4-BE49-F238E27FC236}">
-                <a16:creationId xmlns:a16="http://schemas.microsoft.com/office/drawing/2014/main" id="{2E94A4F7-38E4-45EA-8E2E-CE1B5766B4F1}"/>
-              </a:ext>
-              <a:ext uri="{C183D7F6-B498-43B3-948B-1728B52AA6E4}">
-                <adec:decorative xmlns:adec="http://schemas.microsoft.com/office/drawing/2017/decorative" val="1"/>
-              </a:ext>
-            </a:extLst>
-          </p:cNvPr>
-          <p:cNvSpPr>
-            <a:spLocks noGrp="1" noRot="1" noChangeAspect="1" noMove="1" noResize="1" noEditPoints="1" noAdjustHandles="1" noChangeArrowheads="1" noChangeShapeType="1" noTextEdit="1"/>
-          </p:cNvSpPr>
-          <p:nvPr>
-            <p:extLst>
-              <p:ext uri="{386F3935-93C4-4BCD-93E2-E3B085C9AB24}">
-                <p16:designElem xmlns:p16="http://schemas.microsoft.com/office/powerpoint/2015/main" val="1"/>
-              </p:ext>
-            </p:extLst>
-          </p:nvPr>
-        </p:nvSpPr>
-        <p:spPr>
-          <a:xfrm>
-            <a:off x="1" y="1691640"/>
-            <a:ext cx="5931454" cy="5166360"/>
-          </a:xfrm>
-          <a:custGeom>
-            <a:avLst/>
-            <a:gdLst>
-              <a:gd name="connsiteX0" fmla="*/ 0 w 5931454"/>
-              <a:gd name="connsiteY0" fmla="*/ 0 h 5166360"/>
-              <a:gd name="connsiteX1" fmla="*/ 5931454 w 5931454"/>
-              <a:gd name="connsiteY1" fmla="*/ 0 h 5166360"/>
-              <a:gd name="connsiteX2" fmla="*/ 3537575 w 5931454"/>
-              <a:gd name="connsiteY2" fmla="*/ 5166360 h 5166360"/>
-              <a:gd name="connsiteX3" fmla="*/ 0 w 5931454"/>
-              <a:gd name="connsiteY3" fmla="*/ 5166360 h 5166360"/>
-            </a:gdLst>
-            <a:ahLst/>
-            <a:cxnLst>
-              <a:cxn ang="0">
-                <a:pos x="connsiteX0" y="connsiteY0"/>
-              </a:cxn>
-              <a:cxn ang="0">
-                <a:pos x="connsiteX1" y="connsiteY1"/>
-              </a:cxn>
-              <a:cxn ang="0">
-                <a:pos x="connsiteX2" y="connsiteY2"/>
-              </a:cxn>
-              <a:cxn ang="0">
-                <a:pos x="connsiteX3" y="connsiteY3"/>
-              </a:cxn>
-            </a:cxnLst>
-            <a:rect l="l" t="t" r="r" b="b"/>
-            <a:pathLst>
-              <a:path w="5931454" h="5166360">
-                <a:moveTo>
-                  <a:pt x="0" y="0"/>
-                </a:moveTo>
-                <a:lnTo>
-                  <a:pt x="5931454" y="0"/>
-                </a:lnTo>
-                <a:lnTo>
-                  <a:pt x="3537575" y="5166360"/>
-                </a:lnTo>
-                <a:lnTo>
-                  <a:pt x="0" y="5166360"/>
-                </a:lnTo>
-                <a:close/>
-              </a:path>
-            </a:pathLst>
-          </a:custGeom>
-          <a:solidFill>
-            <a:srgbClr val="303030"/>
-          </a:solidFill>
-          <a:ln>
-            <a:noFill/>
-          </a:ln>
-        </p:spPr>
-        <p:style>
-          <a:lnRef idx="2">
-            <a:schemeClr val="accent1">
-              <a:shade val="50000"/>
-            </a:schemeClr>
-          </a:lnRef>
-          <a:fillRef idx="1">
-            <a:schemeClr val="accent1"/>
-          </a:fillRef>
-          <a:effectRef idx="0">
-            <a:schemeClr val="accent1"/>
-          </a:effectRef>
-          <a:fontRef idx="minor">
-            <a:schemeClr val="lt1"/>
-          </a:fontRef>
-        </p:style>
-        <p:txBody>
-          <a:bodyPr wrap="square" rtlCol="0" anchor="ctr">
-            <a:noAutofit/>
-          </a:bodyPr>
-          <a:lstStyle/>
-          <a:p>
-            <a:pPr algn="ctr"/>
-            <a:endParaRPr lang="en-US"/>
-          </a:p>
-        </p:txBody>
-      </p:sp>
-      <p:sp>
-        <p:nvSpPr>
-          <p:cNvPr id="3" name="Content Placeholder 2">
-            <a:extLst>
-              <a:ext uri="{FF2B5EF4-FFF2-40B4-BE49-F238E27FC236}">
-                <a16:creationId xmlns:a16="http://schemas.microsoft.com/office/drawing/2014/main" id="{461EA124-20F7-46E5-B8D3-E75445DBE9B9}"/>
-              </a:ext>
-            </a:extLst>
-          </p:cNvPr>
-          <p:cNvSpPr>
-            <a:spLocks noGrp="1"/>
-          </p:cNvSpPr>
-          <p:nvPr>
-            <p:ph idx="1"/>
-          </p:nvPr>
-        </p:nvSpPr>
-        <p:spPr>
-          <a:xfrm>
-            <a:off x="838200" y="2173288"/>
-            <a:ext cx="3603171" cy="3639684"/>
-          </a:xfrm>
-        </p:spPr>
-        <p:txBody>
-          <a:bodyPr anchor="ctr">
-            <a:normAutofit/>
-          </a:bodyPr>
-          <a:lstStyle/>
-          <a:p>
-            <a:r>
-              <a:rPr lang="en-US" sz="2000" dirty="0">
-                <a:solidFill>
-                  <a:srgbClr val="FFFFFF"/>
-                </a:solidFill>
-              </a:rPr>
-              <a:t> </a:t>
-            </a:r>
-            <a:r>
-              <a:rPr lang="en-US" sz="2000" dirty="0" err="1">
-                <a:solidFill>
-                  <a:srgbClr val="FFFFFF"/>
-                </a:solidFill>
-              </a:rPr>
-              <a:t>Som</a:t>
-            </a:r>
-            <a:r>
-              <a:rPr lang="en-US" sz="2000" dirty="0">
-                <a:solidFill>
-                  <a:srgbClr val="FFFFFF"/>
-                </a:solidFill>
-              </a:rPr>
-              <a:t> </a:t>
-            </a:r>
-            <a:r>
-              <a:rPr lang="en-US" sz="2000" dirty="0" err="1">
-                <a:solidFill>
-                  <a:srgbClr val="FFFFFF"/>
-                </a:solidFill>
-              </a:rPr>
-              <a:t>sagt</a:t>
-            </a:r>
-            <a:r>
-              <a:rPr lang="en-US" sz="2000" dirty="0">
-                <a:solidFill>
-                  <a:srgbClr val="FFFFFF"/>
-                </a:solidFill>
-              </a:rPr>
-              <a:t> </a:t>
-            </a:r>
-            <a:r>
-              <a:rPr lang="en-US" sz="2000" dirty="0" err="1">
-                <a:solidFill>
-                  <a:srgbClr val="FFFFFF"/>
-                </a:solidFill>
-              </a:rPr>
-              <a:t>skal</a:t>
-            </a:r>
-            <a:r>
-              <a:rPr lang="en-US" sz="2000" dirty="0">
-                <a:solidFill>
-                  <a:srgbClr val="FFFFFF"/>
-                </a:solidFill>
-              </a:rPr>
-              <a:t> ting I .NET </a:t>
-            </a:r>
-            <a:r>
-              <a:rPr lang="en-US" sz="2000" dirty="0" err="1">
-                <a:solidFill>
-                  <a:srgbClr val="FFFFFF"/>
-                </a:solidFill>
-              </a:rPr>
-              <a:t>ikke</a:t>
-            </a:r>
-            <a:r>
-              <a:rPr lang="en-US" sz="2000" dirty="0">
-                <a:solidFill>
-                  <a:srgbClr val="FFFFFF"/>
-                </a:solidFill>
-              </a:rPr>
-              <a:t> </a:t>
-            </a:r>
-            <a:r>
-              <a:rPr lang="en-US" sz="2000" dirty="0" err="1">
-                <a:solidFill>
-                  <a:srgbClr val="FFFFFF"/>
-                </a:solidFill>
-              </a:rPr>
-              <a:t>defineres</a:t>
-            </a:r>
-            <a:r>
-              <a:rPr lang="en-US" sz="2000" dirty="0">
-                <a:solidFill>
-                  <a:srgbClr val="FFFFFF"/>
-                </a:solidFill>
-              </a:rPr>
-              <a:t>, </a:t>
-            </a:r>
-            <a:r>
-              <a:rPr lang="en-US" sz="2000" dirty="0" err="1">
-                <a:solidFill>
-                  <a:srgbClr val="FFFFFF"/>
-                </a:solidFill>
-              </a:rPr>
-              <a:t>som</a:t>
-            </a:r>
-            <a:r>
-              <a:rPr lang="en-US" sz="2000" dirty="0">
-                <a:solidFill>
-                  <a:srgbClr val="FFFFFF"/>
-                </a:solidFill>
-              </a:rPr>
-              <a:t> I COM</a:t>
-            </a:r>
-          </a:p>
-          <a:p>
-            <a:r>
-              <a:rPr lang="en-US" sz="2000" dirty="0" err="1">
-                <a:solidFill>
-                  <a:srgbClr val="FFFFFF"/>
-                </a:solidFill>
-              </a:rPr>
-              <a:t>Alle</a:t>
-            </a:r>
-            <a:r>
-              <a:rPr lang="en-US" sz="2000" dirty="0">
-                <a:solidFill>
-                  <a:srgbClr val="FFFFFF"/>
-                </a:solidFill>
-              </a:rPr>
-              <a:t> ting </a:t>
-            </a:r>
-            <a:r>
-              <a:rPr lang="en-US" sz="2000" dirty="0" err="1">
-                <a:solidFill>
-                  <a:srgbClr val="FFFFFF"/>
-                </a:solidFill>
-              </a:rPr>
-              <a:t>bliver</a:t>
-            </a:r>
-            <a:r>
-              <a:rPr lang="en-US" sz="2000" dirty="0">
-                <a:solidFill>
-                  <a:srgbClr val="FFFFFF"/>
-                </a:solidFill>
-              </a:rPr>
-              <a:t> </a:t>
-            </a:r>
-            <a:r>
-              <a:rPr lang="en-US" sz="2000" dirty="0" err="1">
-                <a:solidFill>
-                  <a:srgbClr val="FFFFFF"/>
-                </a:solidFill>
-              </a:rPr>
-              <a:t>genereret</a:t>
-            </a:r>
-            <a:r>
-              <a:rPr lang="en-US" sz="2000" dirty="0">
-                <a:solidFill>
-                  <a:srgbClr val="FFFFFF"/>
-                </a:solidFill>
-              </a:rPr>
-              <a:t> </a:t>
-            </a:r>
-            <a:r>
-              <a:rPr lang="en-US" sz="2000" dirty="0" err="1">
-                <a:solidFill>
-                  <a:srgbClr val="FFFFFF"/>
-                </a:solidFill>
-              </a:rPr>
-              <a:t>som</a:t>
-            </a:r>
-            <a:r>
-              <a:rPr lang="en-US" sz="2000" dirty="0">
-                <a:solidFill>
-                  <a:srgbClr val="FFFFFF"/>
-                </a:solidFill>
-              </a:rPr>
-              <a:t> metadata I </a:t>
-            </a:r>
-            <a:r>
-              <a:rPr lang="en-US" sz="2000" dirty="0" err="1">
-                <a:solidFill>
-                  <a:srgbClr val="FFFFFF"/>
-                </a:solidFill>
-              </a:rPr>
-              <a:t>vores</a:t>
-            </a:r>
-            <a:r>
-              <a:rPr lang="en-US" sz="2000" dirty="0">
-                <a:solidFill>
-                  <a:srgbClr val="FFFFFF"/>
-                </a:solidFill>
-              </a:rPr>
-              <a:t> assembly, </a:t>
-            </a:r>
-            <a:r>
-              <a:rPr lang="en-US" sz="2000" dirty="0" err="1">
-                <a:solidFill>
-                  <a:srgbClr val="FFFFFF"/>
-                </a:solidFill>
-              </a:rPr>
-              <a:t>hvor</a:t>
-            </a:r>
-            <a:r>
-              <a:rPr lang="en-US" sz="2000" dirty="0">
-                <a:solidFill>
-                  <a:srgbClr val="FFFFFF"/>
-                </a:solidFill>
-              </a:rPr>
-              <a:t> </a:t>
-            </a:r>
-            <a:r>
-              <a:rPr lang="en-US" sz="2000" dirty="0" err="1">
-                <a:solidFill>
-                  <a:srgbClr val="FFFFFF"/>
-                </a:solidFill>
-              </a:rPr>
-              <a:t>manifestet</a:t>
-            </a:r>
-            <a:r>
-              <a:rPr lang="en-US" sz="2000" dirty="0">
-                <a:solidFill>
-                  <a:srgbClr val="FFFFFF"/>
-                </a:solidFill>
-              </a:rPr>
-              <a:t>, </a:t>
-            </a:r>
-            <a:r>
-              <a:rPr lang="en-US" sz="2000" dirty="0" err="1">
-                <a:solidFill>
-                  <a:srgbClr val="FFFFFF"/>
-                </a:solidFill>
-              </a:rPr>
-              <a:t>kan</a:t>
-            </a:r>
-            <a:r>
-              <a:rPr lang="en-US" sz="2000" dirty="0">
-                <a:solidFill>
-                  <a:srgbClr val="FFFFFF"/>
-                </a:solidFill>
-              </a:rPr>
-              <a:t> </a:t>
-            </a:r>
-            <a:r>
-              <a:rPr lang="en-US" sz="2000" dirty="0" err="1">
-                <a:solidFill>
-                  <a:srgbClr val="FFFFFF"/>
-                </a:solidFill>
-              </a:rPr>
-              <a:t>delegere</a:t>
-            </a:r>
-            <a:r>
-              <a:rPr lang="en-US" sz="2000" dirty="0">
-                <a:solidFill>
-                  <a:srgbClr val="FFFFFF"/>
-                </a:solidFill>
-              </a:rPr>
-              <a:t> </a:t>
-            </a:r>
-            <a:r>
-              <a:rPr lang="en-US" sz="2000" dirty="0" err="1">
-                <a:solidFill>
-                  <a:srgbClr val="FFFFFF"/>
-                </a:solidFill>
-              </a:rPr>
-              <a:t>alle</a:t>
-            </a:r>
-            <a:r>
-              <a:rPr lang="en-US" sz="2000" dirty="0">
-                <a:solidFill>
-                  <a:srgbClr val="FFFFFF"/>
-                </a:solidFill>
-              </a:rPr>
-              <a:t> </a:t>
-            </a:r>
-            <a:r>
-              <a:rPr lang="en-US" sz="2000" dirty="0" err="1">
-                <a:solidFill>
-                  <a:srgbClr val="FFFFFF"/>
-                </a:solidFill>
-              </a:rPr>
-              <a:t>forventede</a:t>
-            </a:r>
-            <a:r>
-              <a:rPr lang="en-US" sz="2000" dirty="0">
-                <a:solidFill>
-                  <a:srgbClr val="FFFFFF"/>
-                </a:solidFill>
-              </a:rPr>
-              <a:t> resources </a:t>
-            </a:r>
-            <a:r>
-              <a:rPr lang="en-US" sz="2000" dirty="0" err="1">
-                <a:solidFill>
-                  <a:srgbClr val="FFFFFF"/>
-                </a:solidFill>
-              </a:rPr>
-              <a:t>og</a:t>
-            </a:r>
-            <a:r>
-              <a:rPr lang="en-US" sz="2000" dirty="0">
-                <a:solidFill>
-                  <a:srgbClr val="FFFFFF"/>
-                </a:solidFill>
-              </a:rPr>
-              <a:t> references</a:t>
-            </a:r>
-          </a:p>
-          <a:p>
-            <a:endParaRPr lang="en-DK" sz="2000" dirty="0">
-              <a:solidFill>
-                <a:srgbClr val="FFFFFF"/>
-              </a:solidFill>
-            </a:endParaRPr>
-          </a:p>
-        </p:txBody>
-      </p:sp>
-      <p:pic>
-        <p:nvPicPr>
-          <p:cNvPr id="4" name="Picture 3">
-            <a:extLst>
-              <a:ext uri="{FF2B5EF4-FFF2-40B4-BE49-F238E27FC236}">
-                <a16:creationId xmlns:a16="http://schemas.microsoft.com/office/drawing/2014/main" id="{2C5B7338-B806-430D-B888-87306F8E94E6}"/>
-              </a:ext>
-            </a:extLst>
-          </p:cNvPr>
-          <p:cNvPicPr>
-            <a:picLocks noChangeAspect="1"/>
-          </p:cNvPicPr>
-          <p:nvPr/>
-        </p:nvPicPr>
-        <p:blipFill rotWithShape="1">
-          <a:blip r:embed="rId2"/>
-          <a:srcRect r="754"/>
-          <a:stretch/>
-        </p:blipFill>
-        <p:spPr>
-          <a:xfrm>
-            <a:off x="6183088" y="2657713"/>
-            <a:ext cx="5170711" cy="3034822"/>
-          </a:xfrm>
-          <a:custGeom>
-            <a:avLst/>
-            <a:gdLst/>
-            <a:ahLst/>
-            <a:cxnLst/>
-            <a:rect l="l" t="t" r="r" b="b"/>
-            <a:pathLst>
-              <a:path w="4636009" h="5032375">
-                <a:moveTo>
-                  <a:pt x="0" y="0"/>
-                </a:moveTo>
-                <a:lnTo>
-                  <a:pt x="4636009" y="0"/>
-                </a:lnTo>
-                <a:lnTo>
-                  <a:pt x="4636009" y="5032375"/>
-                </a:lnTo>
-                <a:lnTo>
-                  <a:pt x="0" y="5032375"/>
-                </a:lnTo>
-                <a:close/>
-              </a:path>
-            </a:pathLst>
-          </a:custGeom>
-        </p:spPr>
-      </p:pic>
-    </p:spTree>
-    <p:extLst>
-      <p:ext uri="{BB962C8B-B14F-4D97-AF65-F5344CB8AC3E}">
-        <p14:creationId xmlns:p14="http://schemas.microsoft.com/office/powerpoint/2010/main" val="1154969053"/>
-      </p:ext>
-    </p:extLst>
-  </p:cSld>
-  <p:clrMapOvr>
-    <a:masterClrMapping/>
-  </p:clrMapOvr>
-</p:sld>
-</file>
-
-<file path=ppt/slides/slide5.xml><?xml version="1.0" encoding="utf-8"?>
 <p:sld xmlns:a="http://schemas.openxmlformats.org/drawingml/2006/main" xmlns:r="http://schemas.openxmlformats.org/officeDocument/2006/relationships" xmlns:p="http://schemas.openxmlformats.org/presentationml/2006/main">
   <p:cSld>
     <p:bg>
@@ -10417,7 +9661,7 @@
 </p:sld>
 </file>
 
-<file path=ppt/slides/slide6.xml><?xml version="1.0" encoding="utf-8"?>
+<file path=ppt/slides/slide5.xml><?xml version="1.0" encoding="utf-8"?>
 <p:sld xmlns:a="http://schemas.openxmlformats.org/drawingml/2006/main" xmlns:r="http://schemas.openxmlformats.org/officeDocument/2006/relationships" xmlns:p="http://schemas.openxmlformats.org/presentationml/2006/main">
   <p:cSld>
     <p:bg>
@@ -10444,10 +9688,10 @@
       </p:grpSpPr>
       <p:sp>
         <p:nvSpPr>
-          <p:cNvPr id="2" name="Titel 1">
-            <a:extLst>
-              <a:ext uri="{FF2B5EF4-FFF2-40B4-BE49-F238E27FC236}">
-                <a16:creationId xmlns:a16="http://schemas.microsoft.com/office/drawing/2014/main" id="{43126FC1-AF13-46C0-8516-F52021325E20}"/>
+          <p:cNvPr id="2" name="Title 1">
+            <a:extLst>
+              <a:ext uri="{FF2B5EF4-FFF2-40B4-BE49-F238E27FC236}">
+                <a16:creationId xmlns:a16="http://schemas.microsoft.com/office/drawing/2014/main" id="{D073BFCF-E401-41D6-9749-BF306BCF5F19}"/>
               </a:ext>
             </a:extLst>
           </p:cNvPr>
@@ -10472,15 +9716,15 @@
           <a:p>
             <a:r>
               <a:rPr lang="en-US"/>
-              <a:t>Assembly naming</a:t>
-            </a:r>
-            <a:endParaRPr lang="en-DK" dirty="0"/>
+              <a:t>Assemblies</a:t>
+            </a:r>
+            <a:endParaRPr lang="en-DK"/>
           </a:p>
         </p:txBody>
       </p:sp>
       <p:sp>
         <p:nvSpPr>
-          <p:cNvPr id="16" name="Freeform: Shape 15">
+          <p:cNvPr id="26" name="Freeform: Shape 25">
             <a:extLst>
               <a:ext uri="{FF2B5EF4-FFF2-40B4-BE49-F238E27FC236}">
                 <a16:creationId xmlns:a16="http://schemas.microsoft.com/office/drawing/2014/main" id="{05C7EBC3-4672-4DAB-81C2-58661FAFAED6}"/>
@@ -10618,7 +9862,7 @@
       </p:sp>
       <p:sp>
         <p:nvSpPr>
-          <p:cNvPr id="18" name="Freeform: Shape 17">
+          <p:cNvPr id="28" name="Freeform: Shape 27">
             <a:extLst>
               <a:ext uri="{FF2B5EF4-FFF2-40B4-BE49-F238E27FC236}">
                 <a16:creationId xmlns:a16="http://schemas.microsoft.com/office/drawing/2014/main" id="{40BF962F-4C6F-461E-86F2-C43F56CC939B}"/>
@@ -10758,7 +10002,7 @@
       </p:sp>
       <p:sp>
         <p:nvSpPr>
-          <p:cNvPr id="20" name="Freeform: Shape 19">
+          <p:cNvPr id="30" name="Freeform: Shape 29">
             <a:extLst>
               <a:ext uri="{FF2B5EF4-FFF2-40B4-BE49-F238E27FC236}">
                 <a16:creationId xmlns:a16="http://schemas.microsoft.com/office/drawing/2014/main" id="{2E94A4F7-38E4-45EA-8E2E-CE1B5766B4F1}"/>
@@ -10866,10 +10110,10 @@
       </p:sp>
       <p:sp>
         <p:nvSpPr>
-          <p:cNvPr id="3" name="Pladsholder til indhold 2">
-            <a:extLst>
-              <a:ext uri="{FF2B5EF4-FFF2-40B4-BE49-F238E27FC236}">
-                <a16:creationId xmlns:a16="http://schemas.microsoft.com/office/drawing/2014/main" id="{27203018-6F11-486A-AD54-5963005FFF81}"/>
+          <p:cNvPr id="3" name="Content Placeholder 2">
+            <a:extLst>
+              <a:ext uri="{FF2B5EF4-FFF2-40B4-BE49-F238E27FC236}">
+                <a16:creationId xmlns:a16="http://schemas.microsoft.com/office/drawing/2014/main" id="{461EA124-20F7-46E5-B8D3-E75445DBE9B9}"/>
               </a:ext>
             </a:extLst>
           </p:cNvPr>
@@ -10882,6 +10126,852 @@
         </p:nvSpPr>
         <p:spPr>
           <a:xfrm>
+            <a:off x="838200" y="2173288"/>
+            <a:ext cx="3603171" cy="3639684"/>
+          </a:xfrm>
+        </p:spPr>
+        <p:txBody>
+          <a:bodyPr anchor="ctr">
+            <a:normAutofit/>
+          </a:bodyPr>
+          <a:lstStyle/>
+          <a:p>
+            <a:r>
+              <a:rPr lang="en-US" sz="2000" dirty="0">
+                <a:solidFill>
+                  <a:srgbClr val="FFFFFF"/>
+                </a:solidFill>
+              </a:rPr>
+              <a:t> </a:t>
+            </a:r>
+            <a:r>
+              <a:rPr lang="en-US" sz="2000" dirty="0" err="1">
+                <a:solidFill>
+                  <a:srgbClr val="FFFFFF"/>
+                </a:solidFill>
+              </a:rPr>
+              <a:t>Som</a:t>
+            </a:r>
+            <a:r>
+              <a:rPr lang="en-US" sz="2000" dirty="0">
+                <a:solidFill>
+                  <a:srgbClr val="FFFFFF"/>
+                </a:solidFill>
+              </a:rPr>
+              <a:t> </a:t>
+            </a:r>
+            <a:r>
+              <a:rPr lang="en-US" sz="2000" dirty="0" err="1">
+                <a:solidFill>
+                  <a:srgbClr val="FFFFFF"/>
+                </a:solidFill>
+              </a:rPr>
+              <a:t>sagt</a:t>
+            </a:r>
+            <a:r>
+              <a:rPr lang="en-US" sz="2000" dirty="0">
+                <a:solidFill>
+                  <a:srgbClr val="FFFFFF"/>
+                </a:solidFill>
+              </a:rPr>
+              <a:t> </a:t>
+            </a:r>
+            <a:r>
+              <a:rPr lang="en-US" sz="2000" dirty="0" err="1">
+                <a:solidFill>
+                  <a:srgbClr val="FFFFFF"/>
+                </a:solidFill>
+              </a:rPr>
+              <a:t>skal</a:t>
+            </a:r>
+            <a:r>
+              <a:rPr lang="en-US" sz="2000" dirty="0">
+                <a:solidFill>
+                  <a:srgbClr val="FFFFFF"/>
+                </a:solidFill>
+              </a:rPr>
+              <a:t> ting I .NET </a:t>
+            </a:r>
+            <a:r>
+              <a:rPr lang="en-US" sz="2000" dirty="0" err="1">
+                <a:solidFill>
+                  <a:srgbClr val="FFFFFF"/>
+                </a:solidFill>
+              </a:rPr>
+              <a:t>ikke</a:t>
+            </a:r>
+            <a:r>
+              <a:rPr lang="en-US" sz="2000" dirty="0">
+                <a:solidFill>
+                  <a:srgbClr val="FFFFFF"/>
+                </a:solidFill>
+              </a:rPr>
+              <a:t> </a:t>
+            </a:r>
+            <a:r>
+              <a:rPr lang="en-US" sz="2000" dirty="0" err="1">
+                <a:solidFill>
+                  <a:srgbClr val="FFFFFF"/>
+                </a:solidFill>
+              </a:rPr>
+              <a:t>defineres</a:t>
+            </a:r>
+            <a:r>
+              <a:rPr lang="en-US" sz="2000" dirty="0">
+                <a:solidFill>
+                  <a:srgbClr val="FFFFFF"/>
+                </a:solidFill>
+              </a:rPr>
+              <a:t>, </a:t>
+            </a:r>
+            <a:r>
+              <a:rPr lang="en-US" sz="2000" dirty="0" err="1">
+                <a:solidFill>
+                  <a:srgbClr val="FFFFFF"/>
+                </a:solidFill>
+              </a:rPr>
+              <a:t>som</a:t>
+            </a:r>
+            <a:r>
+              <a:rPr lang="en-US" sz="2000" dirty="0">
+                <a:solidFill>
+                  <a:srgbClr val="FFFFFF"/>
+                </a:solidFill>
+              </a:rPr>
+              <a:t> I COM</a:t>
+            </a:r>
+          </a:p>
+          <a:p>
+            <a:r>
+              <a:rPr lang="en-US" sz="2000" dirty="0" err="1">
+                <a:solidFill>
+                  <a:srgbClr val="FFFFFF"/>
+                </a:solidFill>
+              </a:rPr>
+              <a:t>Alle</a:t>
+            </a:r>
+            <a:r>
+              <a:rPr lang="en-US" sz="2000" dirty="0">
+                <a:solidFill>
+                  <a:srgbClr val="FFFFFF"/>
+                </a:solidFill>
+              </a:rPr>
+              <a:t> ting </a:t>
+            </a:r>
+            <a:r>
+              <a:rPr lang="en-US" sz="2000" dirty="0" err="1">
+                <a:solidFill>
+                  <a:srgbClr val="FFFFFF"/>
+                </a:solidFill>
+              </a:rPr>
+              <a:t>bliver</a:t>
+            </a:r>
+            <a:r>
+              <a:rPr lang="en-US" sz="2000" dirty="0">
+                <a:solidFill>
+                  <a:srgbClr val="FFFFFF"/>
+                </a:solidFill>
+              </a:rPr>
+              <a:t> </a:t>
+            </a:r>
+            <a:r>
+              <a:rPr lang="en-US" sz="2000" dirty="0" err="1">
+                <a:solidFill>
+                  <a:srgbClr val="FFFFFF"/>
+                </a:solidFill>
+              </a:rPr>
+              <a:t>genereret</a:t>
+            </a:r>
+            <a:r>
+              <a:rPr lang="en-US" sz="2000" dirty="0">
+                <a:solidFill>
+                  <a:srgbClr val="FFFFFF"/>
+                </a:solidFill>
+              </a:rPr>
+              <a:t> </a:t>
+            </a:r>
+            <a:r>
+              <a:rPr lang="en-US" sz="2000" dirty="0" err="1">
+                <a:solidFill>
+                  <a:srgbClr val="FFFFFF"/>
+                </a:solidFill>
+              </a:rPr>
+              <a:t>som</a:t>
+            </a:r>
+            <a:r>
+              <a:rPr lang="en-US" sz="2000" dirty="0">
+                <a:solidFill>
+                  <a:srgbClr val="FFFFFF"/>
+                </a:solidFill>
+              </a:rPr>
+              <a:t> metadata I </a:t>
+            </a:r>
+            <a:r>
+              <a:rPr lang="en-US" sz="2000" dirty="0" err="1">
+                <a:solidFill>
+                  <a:srgbClr val="FFFFFF"/>
+                </a:solidFill>
+              </a:rPr>
+              <a:t>vores</a:t>
+            </a:r>
+            <a:r>
+              <a:rPr lang="en-US" sz="2000" dirty="0">
+                <a:solidFill>
+                  <a:srgbClr val="FFFFFF"/>
+                </a:solidFill>
+              </a:rPr>
+              <a:t> assembly, </a:t>
+            </a:r>
+            <a:r>
+              <a:rPr lang="en-US" sz="2000" dirty="0" err="1">
+                <a:solidFill>
+                  <a:srgbClr val="FFFFFF"/>
+                </a:solidFill>
+              </a:rPr>
+              <a:t>hvor</a:t>
+            </a:r>
+            <a:r>
+              <a:rPr lang="en-US" sz="2000" dirty="0">
+                <a:solidFill>
+                  <a:srgbClr val="FFFFFF"/>
+                </a:solidFill>
+              </a:rPr>
+              <a:t> </a:t>
+            </a:r>
+            <a:r>
+              <a:rPr lang="en-US" sz="2000" dirty="0" err="1">
+                <a:solidFill>
+                  <a:srgbClr val="FFFFFF"/>
+                </a:solidFill>
+              </a:rPr>
+              <a:t>manifestet</a:t>
+            </a:r>
+            <a:r>
+              <a:rPr lang="en-US" sz="2000" dirty="0">
+                <a:solidFill>
+                  <a:srgbClr val="FFFFFF"/>
+                </a:solidFill>
+              </a:rPr>
+              <a:t>, </a:t>
+            </a:r>
+            <a:r>
+              <a:rPr lang="en-US" sz="2000" dirty="0" err="1">
+                <a:solidFill>
+                  <a:srgbClr val="FFFFFF"/>
+                </a:solidFill>
+              </a:rPr>
+              <a:t>kan</a:t>
+            </a:r>
+            <a:r>
+              <a:rPr lang="en-US" sz="2000" dirty="0">
+                <a:solidFill>
+                  <a:srgbClr val="FFFFFF"/>
+                </a:solidFill>
+              </a:rPr>
+              <a:t> </a:t>
+            </a:r>
+            <a:r>
+              <a:rPr lang="en-US" sz="2000" dirty="0" err="1">
+                <a:solidFill>
+                  <a:srgbClr val="FFFFFF"/>
+                </a:solidFill>
+              </a:rPr>
+              <a:t>delegere</a:t>
+            </a:r>
+            <a:r>
+              <a:rPr lang="en-US" sz="2000" dirty="0">
+                <a:solidFill>
+                  <a:srgbClr val="FFFFFF"/>
+                </a:solidFill>
+              </a:rPr>
+              <a:t> </a:t>
+            </a:r>
+            <a:r>
+              <a:rPr lang="en-US" sz="2000" dirty="0" err="1">
+                <a:solidFill>
+                  <a:srgbClr val="FFFFFF"/>
+                </a:solidFill>
+              </a:rPr>
+              <a:t>alle</a:t>
+            </a:r>
+            <a:r>
+              <a:rPr lang="en-US" sz="2000" dirty="0">
+                <a:solidFill>
+                  <a:srgbClr val="FFFFFF"/>
+                </a:solidFill>
+              </a:rPr>
+              <a:t> </a:t>
+            </a:r>
+            <a:r>
+              <a:rPr lang="en-US" sz="2000" dirty="0" err="1">
+                <a:solidFill>
+                  <a:srgbClr val="FFFFFF"/>
+                </a:solidFill>
+              </a:rPr>
+              <a:t>forventede</a:t>
+            </a:r>
+            <a:r>
+              <a:rPr lang="en-US" sz="2000" dirty="0">
+                <a:solidFill>
+                  <a:srgbClr val="FFFFFF"/>
+                </a:solidFill>
+              </a:rPr>
+              <a:t> resources </a:t>
+            </a:r>
+            <a:r>
+              <a:rPr lang="en-US" sz="2000" dirty="0" err="1">
+                <a:solidFill>
+                  <a:srgbClr val="FFFFFF"/>
+                </a:solidFill>
+              </a:rPr>
+              <a:t>og</a:t>
+            </a:r>
+            <a:r>
+              <a:rPr lang="en-US" sz="2000" dirty="0">
+                <a:solidFill>
+                  <a:srgbClr val="FFFFFF"/>
+                </a:solidFill>
+              </a:rPr>
+              <a:t> references</a:t>
+            </a:r>
+          </a:p>
+          <a:p>
+            <a:endParaRPr lang="en-DK" sz="2000" dirty="0">
+              <a:solidFill>
+                <a:srgbClr val="FFFFFF"/>
+              </a:solidFill>
+            </a:endParaRPr>
+          </a:p>
+        </p:txBody>
+      </p:sp>
+      <p:pic>
+        <p:nvPicPr>
+          <p:cNvPr id="4" name="Picture 3">
+            <a:extLst>
+              <a:ext uri="{FF2B5EF4-FFF2-40B4-BE49-F238E27FC236}">
+                <a16:creationId xmlns:a16="http://schemas.microsoft.com/office/drawing/2014/main" id="{2C5B7338-B806-430D-B888-87306F8E94E6}"/>
+              </a:ext>
+            </a:extLst>
+          </p:cNvPr>
+          <p:cNvPicPr>
+            <a:picLocks noChangeAspect="1"/>
+          </p:cNvPicPr>
+          <p:nvPr/>
+        </p:nvPicPr>
+        <p:blipFill rotWithShape="1">
+          <a:blip r:embed="rId2"/>
+          <a:srcRect r="754"/>
+          <a:stretch/>
+        </p:blipFill>
+        <p:spPr>
+          <a:xfrm>
+            <a:off x="6183088" y="2657713"/>
+            <a:ext cx="5170711" cy="3034822"/>
+          </a:xfrm>
+          <a:custGeom>
+            <a:avLst/>
+            <a:gdLst/>
+            <a:ahLst/>
+            <a:cxnLst/>
+            <a:rect l="l" t="t" r="r" b="b"/>
+            <a:pathLst>
+              <a:path w="4636009" h="5032375">
+                <a:moveTo>
+                  <a:pt x="0" y="0"/>
+                </a:moveTo>
+                <a:lnTo>
+                  <a:pt x="4636009" y="0"/>
+                </a:lnTo>
+                <a:lnTo>
+                  <a:pt x="4636009" y="5032375"/>
+                </a:lnTo>
+                <a:lnTo>
+                  <a:pt x="0" y="5032375"/>
+                </a:lnTo>
+                <a:close/>
+              </a:path>
+            </a:pathLst>
+          </a:custGeom>
+        </p:spPr>
+      </p:pic>
+    </p:spTree>
+    <p:extLst>
+      <p:ext uri="{BB962C8B-B14F-4D97-AF65-F5344CB8AC3E}">
+        <p14:creationId xmlns:p14="http://schemas.microsoft.com/office/powerpoint/2010/main" val="1154969053"/>
+      </p:ext>
+    </p:extLst>
+  </p:cSld>
+  <p:clrMapOvr>
+    <a:masterClrMapping/>
+  </p:clrMapOvr>
+</p:sld>
+</file>
+
+<file path=ppt/slides/slide6.xml><?xml version="1.0" encoding="utf-8"?>
+<p:sld xmlns:a="http://schemas.openxmlformats.org/drawingml/2006/main" xmlns:r="http://schemas.openxmlformats.org/officeDocument/2006/relationships" xmlns:p="http://schemas.openxmlformats.org/presentationml/2006/main">
+  <p:cSld>
+    <p:bg>
+      <p:bgPr>
+        <a:solidFill>
+          <a:schemeClr val="bg1"/>
+        </a:solidFill>
+        <a:effectLst/>
+      </p:bgPr>
+    </p:bg>
+    <p:spTree>
+      <p:nvGrpSpPr>
+        <p:cNvPr id="1" name=""/>
+        <p:cNvGrpSpPr/>
+        <p:nvPr/>
+      </p:nvGrpSpPr>
+      <p:grpSpPr>
+        <a:xfrm>
+          <a:off x="0" y="0"/>
+          <a:ext cx="0" cy="0"/>
+          <a:chOff x="0" y="0"/>
+          <a:chExt cx="0" cy="0"/>
+        </a:xfrm>
+      </p:grpSpPr>
+      <p:sp>
+        <p:nvSpPr>
+          <p:cNvPr id="2" name="Titel 1">
+            <a:extLst>
+              <a:ext uri="{FF2B5EF4-FFF2-40B4-BE49-F238E27FC236}">
+                <a16:creationId xmlns:a16="http://schemas.microsoft.com/office/drawing/2014/main" id="{43126FC1-AF13-46C0-8516-F52021325E20}"/>
+              </a:ext>
+            </a:extLst>
+          </p:cNvPr>
+          <p:cNvSpPr>
+            <a:spLocks noGrp="1"/>
+          </p:cNvSpPr>
+          <p:nvPr>
+            <p:ph type="title"/>
+          </p:nvPr>
+        </p:nvSpPr>
+        <p:spPr>
+          <a:xfrm>
+            <a:off x="838200" y="365126"/>
+            <a:ext cx="5340605" cy="1146176"/>
+          </a:xfrm>
+        </p:spPr>
+        <p:txBody>
+          <a:bodyPr>
+            <a:normAutofit/>
+          </a:bodyPr>
+          <a:lstStyle/>
+          <a:p>
+            <a:r>
+              <a:rPr lang="en-US"/>
+              <a:t>Assembly naming</a:t>
+            </a:r>
+            <a:endParaRPr lang="en-DK" dirty="0"/>
+          </a:p>
+        </p:txBody>
+      </p:sp>
+      <p:sp>
+        <p:nvSpPr>
+          <p:cNvPr id="16" name="Freeform: Shape 15">
+            <a:extLst>
+              <a:ext uri="{FF2B5EF4-FFF2-40B4-BE49-F238E27FC236}">
+                <a16:creationId xmlns:a16="http://schemas.microsoft.com/office/drawing/2014/main" id="{05C7EBC3-4672-4DAB-81C2-58661FAFAED6}"/>
+              </a:ext>
+              <a:ext uri="{C183D7F6-B498-43B3-948B-1728B52AA6E4}">
+                <adec:decorative xmlns:adec="http://schemas.microsoft.com/office/drawing/2017/decorative" val="1"/>
+              </a:ext>
+            </a:extLst>
+          </p:cNvPr>
+          <p:cNvSpPr>
+            <a:spLocks noGrp="1" noRot="1" noChangeAspect="1" noMove="1" noResize="1" noEditPoints="1" noAdjustHandles="1" noChangeArrowheads="1" noChangeShapeType="1" noTextEdit="1"/>
+          </p:cNvSpPr>
+          <p:nvPr>
+            <p:extLst>
+              <p:ext uri="{386F3935-93C4-4BCD-93E2-E3B085C9AB24}">
+                <p16:designElem xmlns:p16="http://schemas.microsoft.com/office/powerpoint/2015/main" val="1"/>
+              </p:ext>
+            </p:extLst>
+          </p:nvPr>
+        </p:nvSpPr>
+        <p:spPr>
+          <a:xfrm>
+            <a:off x="6178805" y="-2"/>
+            <a:ext cx="6013194" cy="1511304"/>
+          </a:xfrm>
+          <a:custGeom>
+            <a:avLst/>
+            <a:gdLst>
+              <a:gd name="connsiteX0" fmla="*/ 4545473 w 6013194"/>
+              <a:gd name="connsiteY0" fmla="*/ 0 h 1511304"/>
+              <a:gd name="connsiteX1" fmla="*/ 6013194 w 6013194"/>
+              <a:gd name="connsiteY1" fmla="*/ 0 h 1511304"/>
+              <a:gd name="connsiteX2" fmla="*/ 6013194 w 6013194"/>
+              <a:gd name="connsiteY2" fmla="*/ 1508760 h 1511304"/>
+              <a:gd name="connsiteX3" fmla="*/ 4545474 w 6013194"/>
+              <a:gd name="connsiteY3" fmla="*/ 1508760 h 1511304"/>
+              <a:gd name="connsiteX4" fmla="*/ 4545474 w 6013194"/>
+              <a:gd name="connsiteY4" fmla="*/ 1511304 h 1511304"/>
+              <a:gd name="connsiteX5" fmla="*/ 0 w 6013194"/>
+              <a:gd name="connsiteY5" fmla="*/ 1511304 h 1511304"/>
+              <a:gd name="connsiteX6" fmla="*/ 697617 w 6013194"/>
+              <a:gd name="connsiteY6" fmla="*/ 3 h 1511304"/>
+              <a:gd name="connsiteX7" fmla="*/ 4545473 w 6013194"/>
+              <a:gd name="connsiteY7" fmla="*/ 3 h 1511304"/>
+            </a:gdLst>
+            <a:ahLst/>
+            <a:cxnLst>
+              <a:cxn ang="0">
+                <a:pos x="connsiteX0" y="connsiteY0"/>
+              </a:cxn>
+              <a:cxn ang="0">
+                <a:pos x="connsiteX1" y="connsiteY1"/>
+              </a:cxn>
+              <a:cxn ang="0">
+                <a:pos x="connsiteX2" y="connsiteY2"/>
+              </a:cxn>
+              <a:cxn ang="0">
+                <a:pos x="connsiteX3" y="connsiteY3"/>
+              </a:cxn>
+              <a:cxn ang="0">
+                <a:pos x="connsiteX4" y="connsiteY4"/>
+              </a:cxn>
+              <a:cxn ang="0">
+                <a:pos x="connsiteX5" y="connsiteY5"/>
+              </a:cxn>
+              <a:cxn ang="0">
+                <a:pos x="connsiteX6" y="connsiteY6"/>
+              </a:cxn>
+              <a:cxn ang="0">
+                <a:pos x="connsiteX7" y="connsiteY7"/>
+              </a:cxn>
+            </a:cxnLst>
+            <a:rect l="l" t="t" r="r" b="b"/>
+            <a:pathLst>
+              <a:path w="6013194" h="1511304">
+                <a:moveTo>
+                  <a:pt x="4545473" y="0"/>
+                </a:moveTo>
+                <a:lnTo>
+                  <a:pt x="6013194" y="0"/>
+                </a:lnTo>
+                <a:lnTo>
+                  <a:pt x="6013194" y="1508760"/>
+                </a:lnTo>
+                <a:lnTo>
+                  <a:pt x="4545474" y="1508760"/>
+                </a:lnTo>
+                <a:lnTo>
+                  <a:pt x="4545474" y="1511304"/>
+                </a:lnTo>
+                <a:lnTo>
+                  <a:pt x="0" y="1511304"/>
+                </a:lnTo>
+                <a:lnTo>
+                  <a:pt x="697617" y="3"/>
+                </a:lnTo>
+                <a:lnTo>
+                  <a:pt x="4545473" y="3"/>
+                </a:lnTo>
+                <a:close/>
+              </a:path>
+            </a:pathLst>
+          </a:custGeom>
+          <a:solidFill>
+            <a:schemeClr val="accent4"/>
+          </a:solidFill>
+          <a:ln>
+            <a:noFill/>
+          </a:ln>
+        </p:spPr>
+        <p:style>
+          <a:lnRef idx="2">
+            <a:schemeClr val="accent1">
+              <a:shade val="50000"/>
+            </a:schemeClr>
+          </a:lnRef>
+          <a:fillRef idx="1">
+            <a:schemeClr val="accent1"/>
+          </a:fillRef>
+          <a:effectRef idx="0">
+            <a:schemeClr val="accent1"/>
+          </a:effectRef>
+          <a:fontRef idx="minor">
+            <a:schemeClr val="lt1"/>
+          </a:fontRef>
+        </p:style>
+        <p:txBody>
+          <a:bodyPr rtlCol="0" anchor="ctr"/>
+          <a:lstStyle/>
+          <a:p>
+            <a:pPr algn="ctr"/>
+            <a:endParaRPr lang="en-US"/>
+          </a:p>
+        </p:txBody>
+      </p:sp>
+      <p:sp>
+        <p:nvSpPr>
+          <p:cNvPr id="18" name="Freeform: Shape 17">
+            <a:extLst>
+              <a:ext uri="{FF2B5EF4-FFF2-40B4-BE49-F238E27FC236}">
+                <a16:creationId xmlns:a16="http://schemas.microsoft.com/office/drawing/2014/main" id="{40BF962F-4C6F-461E-86F2-C43F56CC939B}"/>
+              </a:ext>
+              <a:ext uri="{C183D7F6-B498-43B3-948B-1728B52AA6E4}">
+                <adec:decorative xmlns:adec="http://schemas.microsoft.com/office/drawing/2017/decorative" val="1"/>
+              </a:ext>
+            </a:extLst>
+          </p:cNvPr>
+          <p:cNvSpPr>
+            <a:spLocks noGrp="1" noRot="1" noChangeAspect="1" noMove="1" noResize="1" noEditPoints="1" noAdjustHandles="1" noChangeArrowheads="1" noChangeShapeType="1" noTextEdit="1"/>
+          </p:cNvSpPr>
+          <p:nvPr>
+            <p:extLst>
+              <p:ext uri="{386F3935-93C4-4BCD-93E2-E3B085C9AB24}">
+                <p16:designElem xmlns:p16="http://schemas.microsoft.com/office/powerpoint/2015/main" val="1"/>
+              </p:ext>
+            </p:extLst>
+          </p:nvPr>
+        </p:nvSpPr>
+        <p:spPr>
+          <a:xfrm>
+            <a:off x="3480797" y="1690688"/>
+            <a:ext cx="8711202" cy="5167312"/>
+          </a:xfrm>
+          <a:custGeom>
+            <a:avLst/>
+            <a:gdLst>
+              <a:gd name="connsiteX0" fmla="*/ 0 w 8711202"/>
+              <a:gd name="connsiteY0" fmla="*/ 0 h 5167312"/>
+              <a:gd name="connsiteX1" fmla="*/ 7243482 w 8711202"/>
+              <a:gd name="connsiteY1" fmla="*/ 0 h 5167312"/>
+              <a:gd name="connsiteX2" fmla="*/ 8711202 w 8711202"/>
+              <a:gd name="connsiteY2" fmla="*/ 0 h 5167312"/>
+              <a:gd name="connsiteX3" fmla="*/ 8711202 w 8711202"/>
+              <a:gd name="connsiteY3" fmla="*/ 5167312 h 5167312"/>
+              <a:gd name="connsiteX4" fmla="*/ 7243482 w 8711202"/>
+              <a:gd name="connsiteY4" fmla="*/ 5167312 h 5167312"/>
+              <a:gd name="connsiteX5" fmla="*/ 221324 w 8711202"/>
+              <a:gd name="connsiteY5" fmla="*/ 5167312 h 5167312"/>
+              <a:gd name="connsiteX6" fmla="*/ 2615203 w 8711202"/>
+              <a:gd name="connsiteY6" fmla="*/ 952 h 5167312"/>
+              <a:gd name="connsiteX7" fmla="*/ 0 w 8711202"/>
+              <a:gd name="connsiteY7" fmla="*/ 952 h 5167312"/>
+            </a:gdLst>
+            <a:ahLst/>
+            <a:cxnLst>
+              <a:cxn ang="0">
+                <a:pos x="connsiteX0" y="connsiteY0"/>
+              </a:cxn>
+              <a:cxn ang="0">
+                <a:pos x="connsiteX1" y="connsiteY1"/>
+              </a:cxn>
+              <a:cxn ang="0">
+                <a:pos x="connsiteX2" y="connsiteY2"/>
+              </a:cxn>
+              <a:cxn ang="0">
+                <a:pos x="connsiteX3" y="connsiteY3"/>
+              </a:cxn>
+              <a:cxn ang="0">
+                <a:pos x="connsiteX4" y="connsiteY4"/>
+              </a:cxn>
+              <a:cxn ang="0">
+                <a:pos x="connsiteX5" y="connsiteY5"/>
+              </a:cxn>
+              <a:cxn ang="0">
+                <a:pos x="connsiteX6" y="connsiteY6"/>
+              </a:cxn>
+              <a:cxn ang="0">
+                <a:pos x="connsiteX7" y="connsiteY7"/>
+              </a:cxn>
+            </a:cxnLst>
+            <a:rect l="l" t="t" r="r" b="b"/>
+            <a:pathLst>
+              <a:path w="8711202" h="5167312">
+                <a:moveTo>
+                  <a:pt x="0" y="0"/>
+                </a:moveTo>
+                <a:lnTo>
+                  <a:pt x="7243482" y="0"/>
+                </a:lnTo>
+                <a:lnTo>
+                  <a:pt x="8711202" y="0"/>
+                </a:lnTo>
+                <a:lnTo>
+                  <a:pt x="8711202" y="5167312"/>
+                </a:lnTo>
+                <a:lnTo>
+                  <a:pt x="7243482" y="5167312"/>
+                </a:lnTo>
+                <a:lnTo>
+                  <a:pt x="221324" y="5167312"/>
+                </a:lnTo>
+                <a:lnTo>
+                  <a:pt x="2615203" y="952"/>
+                </a:lnTo>
+                <a:lnTo>
+                  <a:pt x="0" y="952"/>
+                </a:lnTo>
+                <a:close/>
+              </a:path>
+            </a:pathLst>
+          </a:custGeom>
+          <a:solidFill>
+            <a:srgbClr val="A6A6A6">
+              <a:alpha val="49804"/>
+            </a:srgbClr>
+          </a:solidFill>
+          <a:ln>
+            <a:noFill/>
+          </a:ln>
+        </p:spPr>
+        <p:style>
+          <a:lnRef idx="2">
+            <a:schemeClr val="accent1">
+              <a:shade val="50000"/>
+            </a:schemeClr>
+          </a:lnRef>
+          <a:fillRef idx="1">
+            <a:schemeClr val="accent1"/>
+          </a:fillRef>
+          <a:effectRef idx="0">
+            <a:schemeClr val="accent1"/>
+          </a:effectRef>
+          <a:fontRef idx="minor">
+            <a:schemeClr val="lt1"/>
+          </a:fontRef>
+        </p:style>
+        <p:txBody>
+          <a:bodyPr rtlCol="0" anchor="ctr"/>
+          <a:lstStyle/>
+          <a:p>
+            <a:pPr algn="ctr"/>
+            <a:endParaRPr lang="en-US"/>
+          </a:p>
+        </p:txBody>
+      </p:sp>
+      <p:sp>
+        <p:nvSpPr>
+          <p:cNvPr id="20" name="Freeform: Shape 19">
+            <a:extLst>
+              <a:ext uri="{FF2B5EF4-FFF2-40B4-BE49-F238E27FC236}">
+                <a16:creationId xmlns:a16="http://schemas.microsoft.com/office/drawing/2014/main" id="{2E94A4F7-38E4-45EA-8E2E-CE1B5766B4F1}"/>
+              </a:ext>
+              <a:ext uri="{C183D7F6-B498-43B3-948B-1728B52AA6E4}">
+                <adec:decorative xmlns:adec="http://schemas.microsoft.com/office/drawing/2017/decorative" val="1"/>
+              </a:ext>
+            </a:extLst>
+          </p:cNvPr>
+          <p:cNvSpPr>
+            <a:spLocks noGrp="1" noRot="1" noChangeAspect="1" noMove="1" noResize="1" noEditPoints="1" noAdjustHandles="1" noChangeArrowheads="1" noChangeShapeType="1" noTextEdit="1"/>
+          </p:cNvSpPr>
+          <p:nvPr>
+            <p:extLst>
+              <p:ext uri="{386F3935-93C4-4BCD-93E2-E3B085C9AB24}">
+                <p16:designElem xmlns:p16="http://schemas.microsoft.com/office/powerpoint/2015/main" val="1"/>
+              </p:ext>
+            </p:extLst>
+          </p:nvPr>
+        </p:nvSpPr>
+        <p:spPr>
+          <a:xfrm>
+            <a:off x="1" y="1691640"/>
+            <a:ext cx="5931454" cy="5166360"/>
+          </a:xfrm>
+          <a:custGeom>
+            <a:avLst/>
+            <a:gdLst>
+              <a:gd name="connsiteX0" fmla="*/ 0 w 5931454"/>
+              <a:gd name="connsiteY0" fmla="*/ 0 h 5166360"/>
+              <a:gd name="connsiteX1" fmla="*/ 5931454 w 5931454"/>
+              <a:gd name="connsiteY1" fmla="*/ 0 h 5166360"/>
+              <a:gd name="connsiteX2" fmla="*/ 3537575 w 5931454"/>
+              <a:gd name="connsiteY2" fmla="*/ 5166360 h 5166360"/>
+              <a:gd name="connsiteX3" fmla="*/ 0 w 5931454"/>
+              <a:gd name="connsiteY3" fmla="*/ 5166360 h 5166360"/>
+            </a:gdLst>
+            <a:ahLst/>
+            <a:cxnLst>
+              <a:cxn ang="0">
+                <a:pos x="connsiteX0" y="connsiteY0"/>
+              </a:cxn>
+              <a:cxn ang="0">
+                <a:pos x="connsiteX1" y="connsiteY1"/>
+              </a:cxn>
+              <a:cxn ang="0">
+                <a:pos x="connsiteX2" y="connsiteY2"/>
+              </a:cxn>
+              <a:cxn ang="0">
+                <a:pos x="connsiteX3" y="connsiteY3"/>
+              </a:cxn>
+            </a:cxnLst>
+            <a:rect l="l" t="t" r="r" b="b"/>
+            <a:pathLst>
+              <a:path w="5931454" h="5166360">
+                <a:moveTo>
+                  <a:pt x="0" y="0"/>
+                </a:moveTo>
+                <a:lnTo>
+                  <a:pt x="5931454" y="0"/>
+                </a:lnTo>
+                <a:lnTo>
+                  <a:pt x="3537575" y="5166360"/>
+                </a:lnTo>
+                <a:lnTo>
+                  <a:pt x="0" y="5166360"/>
+                </a:lnTo>
+                <a:close/>
+              </a:path>
+            </a:pathLst>
+          </a:custGeom>
+          <a:solidFill>
+            <a:srgbClr val="303030"/>
+          </a:solidFill>
+          <a:ln>
+            <a:noFill/>
+          </a:ln>
+        </p:spPr>
+        <p:style>
+          <a:lnRef idx="2">
+            <a:schemeClr val="accent1">
+              <a:shade val="50000"/>
+            </a:schemeClr>
+          </a:lnRef>
+          <a:fillRef idx="1">
+            <a:schemeClr val="accent1"/>
+          </a:fillRef>
+          <a:effectRef idx="0">
+            <a:schemeClr val="accent1"/>
+          </a:effectRef>
+          <a:fontRef idx="minor">
+            <a:schemeClr val="lt1"/>
+          </a:fontRef>
+        </p:style>
+        <p:txBody>
+          <a:bodyPr wrap="square" rtlCol="0" anchor="ctr">
+            <a:noAutofit/>
+          </a:bodyPr>
+          <a:lstStyle/>
+          <a:p>
+            <a:pPr algn="ctr"/>
+            <a:endParaRPr lang="en-US"/>
+          </a:p>
+        </p:txBody>
+      </p:sp>
+      <p:sp>
+        <p:nvSpPr>
+          <p:cNvPr id="3" name="Pladsholder til indhold 2">
+            <a:extLst>
+              <a:ext uri="{FF2B5EF4-FFF2-40B4-BE49-F238E27FC236}">
+                <a16:creationId xmlns:a16="http://schemas.microsoft.com/office/drawing/2014/main" id="{27203018-6F11-486A-AD54-5963005FFF81}"/>
+              </a:ext>
+            </a:extLst>
+          </p:cNvPr>
+          <p:cNvSpPr>
+            <a:spLocks noGrp="1"/>
+          </p:cNvSpPr>
+          <p:nvPr>
+            <p:ph idx="1"/>
+          </p:nvPr>
+        </p:nvSpPr>
+        <p:spPr>
+          <a:xfrm>
             <a:off x="224590" y="1690688"/>
             <a:ext cx="4152613" cy="4331865"/>
           </a:xfrm>
@@ -10939,22 +11029,6 @@
                 </a:solidFill>
               </a:rPr>
               <a:t>opmærksom</a:t>
-            </a:r>
-            <a:r>
-              <a:rPr lang="en-US" sz="1400" dirty="0">
-                <a:solidFill>
-                  <a:srgbClr val="FFFFFF"/>
-                </a:solidFill>
-              </a:rPr>
-              <a:t> </a:t>
-            </a:r>
-            <a:r>
-              <a:rPr lang="en-US" sz="1400" dirty="0" err="1">
-                <a:solidFill>
-                  <a:srgbClr val="FFFFFF"/>
-                </a:solidFill>
-              </a:rPr>
-              <a:t>på</a:t>
             </a:r>
             <a:r>
               <a:rPr lang="en-US" sz="1400" dirty="0">

--- a/Presentations/3_NET_componenter.pptx
+++ b/Presentations/3_NET_componenter.pptx
@@ -275,7 +275,7 @@
           <a:p>
             <a:fld id="{9FBD7F75-2227-4511-94EA-2EC7D078D5F4}" type="datetimeFigureOut">
               <a:rPr lang="en-DK" smtClean="0"/>
-              <a:t>08/17/2020</a:t>
+              <a:t>08/18/2020</a:t>
             </a:fld>
             <a:endParaRPr lang="en-DK"/>
           </a:p>
@@ -475,7 +475,7 @@
           <a:p>
             <a:fld id="{9FBD7F75-2227-4511-94EA-2EC7D078D5F4}" type="datetimeFigureOut">
               <a:rPr lang="en-DK" smtClean="0"/>
-              <a:t>08/17/2020</a:t>
+              <a:t>08/18/2020</a:t>
             </a:fld>
             <a:endParaRPr lang="en-DK"/>
           </a:p>
@@ -685,7 +685,7 @@
           <a:p>
             <a:fld id="{9FBD7F75-2227-4511-94EA-2EC7D078D5F4}" type="datetimeFigureOut">
               <a:rPr lang="en-DK" smtClean="0"/>
-              <a:t>08/17/2020</a:t>
+              <a:t>08/18/2020</a:t>
             </a:fld>
             <a:endParaRPr lang="en-DK"/>
           </a:p>
@@ -885,7 +885,7 @@
           <a:p>
             <a:fld id="{9FBD7F75-2227-4511-94EA-2EC7D078D5F4}" type="datetimeFigureOut">
               <a:rPr lang="en-DK" smtClean="0"/>
-              <a:t>08/17/2020</a:t>
+              <a:t>08/18/2020</a:t>
             </a:fld>
             <a:endParaRPr lang="en-DK"/>
           </a:p>
@@ -1161,7 +1161,7 @@
           <a:p>
             <a:fld id="{9FBD7F75-2227-4511-94EA-2EC7D078D5F4}" type="datetimeFigureOut">
               <a:rPr lang="en-DK" smtClean="0"/>
-              <a:t>08/17/2020</a:t>
+              <a:t>08/18/2020</a:t>
             </a:fld>
             <a:endParaRPr lang="en-DK"/>
           </a:p>
@@ -1429,7 +1429,7 @@
           <a:p>
             <a:fld id="{9FBD7F75-2227-4511-94EA-2EC7D078D5F4}" type="datetimeFigureOut">
               <a:rPr lang="en-DK" smtClean="0"/>
-              <a:t>08/17/2020</a:t>
+              <a:t>08/18/2020</a:t>
             </a:fld>
             <a:endParaRPr lang="en-DK"/>
           </a:p>
@@ -1844,7 +1844,7 @@
           <a:p>
             <a:fld id="{9FBD7F75-2227-4511-94EA-2EC7D078D5F4}" type="datetimeFigureOut">
               <a:rPr lang="en-DK" smtClean="0"/>
-              <a:t>08/17/2020</a:t>
+              <a:t>08/18/2020</a:t>
             </a:fld>
             <a:endParaRPr lang="en-DK"/>
           </a:p>
@@ -1986,7 +1986,7 @@
           <a:p>
             <a:fld id="{9FBD7F75-2227-4511-94EA-2EC7D078D5F4}" type="datetimeFigureOut">
               <a:rPr lang="en-DK" smtClean="0"/>
-              <a:t>08/17/2020</a:t>
+              <a:t>08/18/2020</a:t>
             </a:fld>
             <a:endParaRPr lang="en-DK"/>
           </a:p>
@@ -2099,7 +2099,7 @@
           <a:p>
             <a:fld id="{9FBD7F75-2227-4511-94EA-2EC7D078D5F4}" type="datetimeFigureOut">
               <a:rPr lang="en-DK" smtClean="0"/>
-              <a:t>08/17/2020</a:t>
+              <a:t>08/18/2020</a:t>
             </a:fld>
             <a:endParaRPr lang="en-DK"/>
           </a:p>
@@ -2412,7 +2412,7 @@
           <a:p>
             <a:fld id="{9FBD7F75-2227-4511-94EA-2EC7D078D5F4}" type="datetimeFigureOut">
               <a:rPr lang="en-DK" smtClean="0"/>
-              <a:t>08/17/2020</a:t>
+              <a:t>08/18/2020</a:t>
             </a:fld>
             <a:endParaRPr lang="en-DK"/>
           </a:p>
@@ -2701,7 +2701,7 @@
           <a:p>
             <a:fld id="{9FBD7F75-2227-4511-94EA-2EC7D078D5F4}" type="datetimeFigureOut">
               <a:rPr lang="en-DK" smtClean="0"/>
-              <a:t>08/17/2020</a:t>
+              <a:t>08/18/2020</a:t>
             </a:fld>
             <a:endParaRPr lang="en-DK"/>
           </a:p>
@@ -2944,7 +2944,7 @@
           <a:p>
             <a:fld id="{9FBD7F75-2227-4511-94EA-2EC7D078D5F4}" type="datetimeFigureOut">
               <a:rPr lang="en-DK" smtClean="0"/>
-              <a:t>08/17/2020</a:t>
+              <a:t>08/18/2020</a:t>
             </a:fld>
             <a:endParaRPr lang="en-DK"/>
           </a:p>
@@ -4103,6 +4103,264 @@
           </a:p>
         </p:txBody>
       </p:sp>
+      <p:sp>
+        <p:nvSpPr>
+          <p:cNvPr id="4" name="Tekstfelt 3">
+            <a:extLst>
+              <a:ext uri="{FF2B5EF4-FFF2-40B4-BE49-F238E27FC236}">
+                <a16:creationId xmlns:a16="http://schemas.microsoft.com/office/drawing/2014/main" id="{D9A5575B-7AD8-45F2-BAFE-770154135C3C}"/>
+              </a:ext>
+            </a:extLst>
+          </p:cNvPr>
+          <p:cNvSpPr txBox="1"/>
+          <p:nvPr/>
+        </p:nvSpPr>
+        <p:spPr>
+          <a:xfrm>
+            <a:off x="8126759" y="511993"/>
+            <a:ext cx="1884106" cy="369332"/>
+          </a:xfrm>
+          <a:prstGeom prst="rect">
+            <a:avLst/>
+          </a:prstGeom>
+          <a:noFill/>
+        </p:spPr>
+        <p:txBody>
+          <a:bodyPr wrap="none" rtlCol="0">
+            <a:spAutoFit/>
+          </a:bodyPr>
+          <a:lstStyle>
+            <a:defPPr>
+              <a:defRPr lang="da-DK"/>
+            </a:defPPr>
+            <a:lvl1pPr marL="0" algn="l" defTabSz="914400" rtl="0" eaLnBrk="1" latinLnBrk="0" hangingPunct="1">
+              <a:defRPr sz="1800" kern="1200">
+                <a:solidFill>
+                  <a:schemeClr val="tx1"/>
+                </a:solidFill>
+                <a:latin typeface="+mn-lt"/>
+                <a:ea typeface="+mn-ea"/>
+                <a:cs typeface="+mn-cs"/>
+              </a:defRPr>
+            </a:lvl1pPr>
+            <a:lvl2pPr marL="457200" algn="l" defTabSz="914400" rtl="0" eaLnBrk="1" latinLnBrk="0" hangingPunct="1">
+              <a:defRPr sz="1800" kern="1200">
+                <a:solidFill>
+                  <a:schemeClr val="tx1"/>
+                </a:solidFill>
+                <a:latin typeface="+mn-lt"/>
+                <a:ea typeface="+mn-ea"/>
+                <a:cs typeface="+mn-cs"/>
+              </a:defRPr>
+            </a:lvl2pPr>
+            <a:lvl3pPr marL="914400" algn="l" defTabSz="914400" rtl="0" eaLnBrk="1" latinLnBrk="0" hangingPunct="1">
+              <a:defRPr sz="1800" kern="1200">
+                <a:solidFill>
+                  <a:schemeClr val="tx1"/>
+                </a:solidFill>
+                <a:latin typeface="+mn-lt"/>
+                <a:ea typeface="+mn-ea"/>
+                <a:cs typeface="+mn-cs"/>
+              </a:defRPr>
+            </a:lvl3pPr>
+            <a:lvl4pPr marL="1371600" algn="l" defTabSz="914400" rtl="0" eaLnBrk="1" latinLnBrk="0" hangingPunct="1">
+              <a:defRPr sz="1800" kern="1200">
+                <a:solidFill>
+                  <a:schemeClr val="tx1"/>
+                </a:solidFill>
+                <a:latin typeface="+mn-lt"/>
+                <a:ea typeface="+mn-ea"/>
+                <a:cs typeface="+mn-cs"/>
+              </a:defRPr>
+            </a:lvl4pPr>
+            <a:lvl5pPr marL="1828800" algn="l" defTabSz="914400" rtl="0" eaLnBrk="1" latinLnBrk="0" hangingPunct="1">
+              <a:defRPr sz="1800" kern="1200">
+                <a:solidFill>
+                  <a:schemeClr val="tx1"/>
+                </a:solidFill>
+                <a:latin typeface="+mn-lt"/>
+                <a:ea typeface="+mn-ea"/>
+                <a:cs typeface="+mn-cs"/>
+              </a:defRPr>
+            </a:lvl5pPr>
+            <a:lvl6pPr marL="2286000" algn="l" defTabSz="914400" rtl="0" eaLnBrk="1" latinLnBrk="0" hangingPunct="1">
+              <a:defRPr sz="1800" kern="1200">
+                <a:solidFill>
+                  <a:schemeClr val="tx1"/>
+                </a:solidFill>
+                <a:latin typeface="+mn-lt"/>
+                <a:ea typeface="+mn-ea"/>
+                <a:cs typeface="+mn-cs"/>
+              </a:defRPr>
+            </a:lvl6pPr>
+            <a:lvl7pPr marL="2743200" algn="l" defTabSz="914400" rtl="0" eaLnBrk="1" latinLnBrk="0" hangingPunct="1">
+              <a:defRPr sz="1800" kern="1200">
+                <a:solidFill>
+                  <a:schemeClr val="tx1"/>
+                </a:solidFill>
+                <a:latin typeface="+mn-lt"/>
+                <a:ea typeface="+mn-ea"/>
+                <a:cs typeface="+mn-cs"/>
+              </a:defRPr>
+            </a:lvl7pPr>
+            <a:lvl8pPr marL="3200400" algn="l" defTabSz="914400" rtl="0" eaLnBrk="1" latinLnBrk="0" hangingPunct="1">
+              <a:defRPr sz="1800" kern="1200">
+                <a:solidFill>
+                  <a:schemeClr val="tx1"/>
+                </a:solidFill>
+                <a:latin typeface="+mn-lt"/>
+                <a:ea typeface="+mn-ea"/>
+                <a:cs typeface="+mn-cs"/>
+              </a:defRPr>
+            </a:lvl8pPr>
+            <a:lvl9pPr marL="3657600" algn="l" defTabSz="914400" rtl="0" eaLnBrk="1" latinLnBrk="0" hangingPunct="1">
+              <a:defRPr sz="1800" kern="1200">
+                <a:solidFill>
+                  <a:schemeClr val="tx1"/>
+                </a:solidFill>
+                <a:latin typeface="+mn-lt"/>
+                <a:ea typeface="+mn-ea"/>
+                <a:cs typeface="+mn-cs"/>
+              </a:defRPr>
+            </a:lvl9pPr>
+          </a:lstStyle>
+          <a:p>
+            <a:r>
+              <a:rPr lang="da-DK" dirty="0"/>
+              <a:t>Andreas Blaabjerg</a:t>
+            </a:r>
+          </a:p>
+        </p:txBody>
+      </p:sp>
+      <p:sp>
+        <p:nvSpPr>
+          <p:cNvPr id="5" name="Tekstfelt 4">
+            <a:extLst>
+              <a:ext uri="{FF2B5EF4-FFF2-40B4-BE49-F238E27FC236}">
+                <a16:creationId xmlns:a16="http://schemas.microsoft.com/office/drawing/2014/main" id="{A1C8D390-9597-4F9D-A604-6171433E10FB}"/>
+              </a:ext>
+            </a:extLst>
+          </p:cNvPr>
+          <p:cNvSpPr txBox="1"/>
+          <p:nvPr/>
+        </p:nvSpPr>
+        <p:spPr>
+          <a:xfrm>
+            <a:off x="9068812" y="909723"/>
+            <a:ext cx="1237839" cy="369332"/>
+          </a:xfrm>
+          <a:prstGeom prst="rect">
+            <a:avLst/>
+          </a:prstGeom>
+          <a:noFill/>
+        </p:spPr>
+        <p:txBody>
+          <a:bodyPr wrap="none" rtlCol="0">
+            <a:spAutoFit/>
+          </a:bodyPr>
+          <a:lstStyle>
+            <a:defPPr>
+              <a:defRPr lang="da-DK"/>
+            </a:defPPr>
+            <a:lvl1pPr marL="0" algn="l" defTabSz="914400" rtl="0" eaLnBrk="1" latinLnBrk="0" hangingPunct="1">
+              <a:defRPr sz="1800" kern="1200">
+                <a:solidFill>
+                  <a:schemeClr val="tx1"/>
+                </a:solidFill>
+                <a:latin typeface="+mn-lt"/>
+                <a:ea typeface="+mn-ea"/>
+                <a:cs typeface="+mn-cs"/>
+              </a:defRPr>
+            </a:lvl1pPr>
+            <a:lvl2pPr marL="457200" algn="l" defTabSz="914400" rtl="0" eaLnBrk="1" latinLnBrk="0" hangingPunct="1">
+              <a:defRPr sz="1800" kern="1200">
+                <a:solidFill>
+                  <a:schemeClr val="tx1"/>
+                </a:solidFill>
+                <a:latin typeface="+mn-lt"/>
+                <a:ea typeface="+mn-ea"/>
+                <a:cs typeface="+mn-cs"/>
+              </a:defRPr>
+            </a:lvl2pPr>
+            <a:lvl3pPr marL="914400" algn="l" defTabSz="914400" rtl="0" eaLnBrk="1" latinLnBrk="0" hangingPunct="1">
+              <a:defRPr sz="1800" kern="1200">
+                <a:solidFill>
+                  <a:schemeClr val="tx1"/>
+                </a:solidFill>
+                <a:latin typeface="+mn-lt"/>
+                <a:ea typeface="+mn-ea"/>
+                <a:cs typeface="+mn-cs"/>
+              </a:defRPr>
+            </a:lvl3pPr>
+            <a:lvl4pPr marL="1371600" algn="l" defTabSz="914400" rtl="0" eaLnBrk="1" latinLnBrk="0" hangingPunct="1">
+              <a:defRPr sz="1800" kern="1200">
+                <a:solidFill>
+                  <a:schemeClr val="tx1"/>
+                </a:solidFill>
+                <a:latin typeface="+mn-lt"/>
+                <a:ea typeface="+mn-ea"/>
+                <a:cs typeface="+mn-cs"/>
+              </a:defRPr>
+            </a:lvl4pPr>
+            <a:lvl5pPr marL="1828800" algn="l" defTabSz="914400" rtl="0" eaLnBrk="1" latinLnBrk="0" hangingPunct="1">
+              <a:defRPr sz="1800" kern="1200">
+                <a:solidFill>
+                  <a:schemeClr val="tx1"/>
+                </a:solidFill>
+                <a:latin typeface="+mn-lt"/>
+                <a:ea typeface="+mn-ea"/>
+                <a:cs typeface="+mn-cs"/>
+              </a:defRPr>
+            </a:lvl5pPr>
+            <a:lvl6pPr marL="2286000" algn="l" defTabSz="914400" rtl="0" eaLnBrk="1" latinLnBrk="0" hangingPunct="1">
+              <a:defRPr sz="1800" kern="1200">
+                <a:solidFill>
+                  <a:schemeClr val="tx1"/>
+                </a:solidFill>
+                <a:latin typeface="+mn-lt"/>
+                <a:ea typeface="+mn-ea"/>
+                <a:cs typeface="+mn-cs"/>
+              </a:defRPr>
+            </a:lvl6pPr>
+            <a:lvl7pPr marL="2743200" algn="l" defTabSz="914400" rtl="0" eaLnBrk="1" latinLnBrk="0" hangingPunct="1">
+              <a:defRPr sz="1800" kern="1200">
+                <a:solidFill>
+                  <a:schemeClr val="tx1"/>
+                </a:solidFill>
+                <a:latin typeface="+mn-lt"/>
+                <a:ea typeface="+mn-ea"/>
+                <a:cs typeface="+mn-cs"/>
+              </a:defRPr>
+            </a:lvl7pPr>
+            <a:lvl8pPr marL="3200400" algn="l" defTabSz="914400" rtl="0" eaLnBrk="1" latinLnBrk="0" hangingPunct="1">
+              <a:defRPr sz="1800" kern="1200">
+                <a:solidFill>
+                  <a:schemeClr val="tx1"/>
+                </a:solidFill>
+                <a:latin typeface="+mn-lt"/>
+                <a:ea typeface="+mn-ea"/>
+                <a:cs typeface="+mn-cs"/>
+              </a:defRPr>
+            </a:lvl8pPr>
+            <a:lvl9pPr marL="3657600" algn="l" defTabSz="914400" rtl="0" eaLnBrk="1" latinLnBrk="0" hangingPunct="1">
+              <a:defRPr sz="1800" kern="1200">
+                <a:solidFill>
+                  <a:schemeClr val="tx1"/>
+                </a:solidFill>
+                <a:latin typeface="+mn-lt"/>
+                <a:ea typeface="+mn-ea"/>
+                <a:cs typeface="+mn-cs"/>
+              </a:defRPr>
+            </a:lvl9pPr>
+          </a:lstStyle>
+          <a:p>
+            <a:r>
+              <a:rPr lang="da-DK" dirty="0"/>
+              <a:t>201510924</a:t>
+            </a:r>
+          </a:p>
+        </p:txBody>
+      </p:sp>
     </p:spTree>
     <p:extLst>
       <p:ext uri="{BB962C8B-B14F-4D97-AF65-F5344CB8AC3E}">
@@ -6806,43 +7064,304 @@
           <a:lstStyle/>
           <a:p>
             <a:r>
-              <a:rPr lang="en-US" sz="1700"/>
-              <a:t>Finalization sker under garbage collection.</a:t>
-            </a:r>
-          </a:p>
-          <a:p>
-            <a:r>
-              <a:rPr lang="en-US" sz="1700"/>
-              <a:t>Garbage collectoren kalder en Finalize metoode hos et object</a:t>
-            </a:r>
-          </a:p>
-          <a:p>
-            <a:r>
-              <a:rPr lang="en-US" sz="1700"/>
-              <a:t>Denne metode sørger for at ryde den virtuelle memory.</a:t>
-            </a:r>
-          </a:p>
-          <a:p>
-            <a:r>
-              <a:rPr lang="en-US" sz="1700"/>
-              <a:t>Ikke kun for selve objektet men yderligere afhængige reference som potager hukommelse</a:t>
-            </a:r>
-          </a:p>
-          <a:p>
-            <a:r>
-              <a:rPr lang="en-US" sz="1700"/>
-              <a:t>Det tager ekstra tid for compileren at udføre en finalize metode. </a:t>
-            </a:r>
-          </a:p>
-          <a:p>
-            <a:r>
-              <a:rPr lang="en-US" sz="1700"/>
-              <a:t>Derfor er det bedst at udføre oprydningen selv, ved eks. Idisposable pattern.</a:t>
-            </a:r>
-            <a:endParaRPr lang="en-DK" sz="1700"/>
-          </a:p>
-          <a:p>
-            <a:endParaRPr lang="en-DK" sz="1700"/>
+              <a:rPr lang="en-US" sz="1700" dirty="0"/>
+              <a:t>Finalization </a:t>
+            </a:r>
+            <a:r>
+              <a:rPr lang="en-US" sz="1700" dirty="0" err="1"/>
+              <a:t>sker</a:t>
+            </a:r>
+            <a:r>
+              <a:rPr lang="en-US" sz="1700" dirty="0"/>
+              <a:t> under garbage collection.</a:t>
+            </a:r>
+          </a:p>
+          <a:p>
+            <a:r>
+              <a:rPr lang="en-US" sz="1700" dirty="0"/>
+              <a:t>Garbage </a:t>
+            </a:r>
+            <a:r>
+              <a:rPr lang="en-US" sz="1700" dirty="0" err="1"/>
+              <a:t>collectoren</a:t>
+            </a:r>
+            <a:r>
+              <a:rPr lang="en-US" sz="1700" dirty="0"/>
+              <a:t> </a:t>
+            </a:r>
+            <a:r>
+              <a:rPr lang="en-US" sz="1700" dirty="0" err="1"/>
+              <a:t>kalder</a:t>
+            </a:r>
+            <a:r>
+              <a:rPr lang="en-US" sz="1700" dirty="0"/>
+              <a:t> </a:t>
+            </a:r>
+            <a:r>
+              <a:rPr lang="en-US" sz="1700" dirty="0" err="1"/>
+              <a:t>en</a:t>
+            </a:r>
+            <a:r>
+              <a:rPr lang="en-US" sz="1700" dirty="0"/>
+              <a:t> Finalize </a:t>
+            </a:r>
+            <a:r>
+              <a:rPr lang="en-US" sz="1700" dirty="0" err="1"/>
+              <a:t>metoode</a:t>
+            </a:r>
+            <a:r>
+              <a:rPr lang="en-US" sz="1700" dirty="0"/>
+              <a:t> hos et object</a:t>
+            </a:r>
+          </a:p>
+          <a:p>
+            <a:r>
+              <a:rPr lang="en-US" sz="1700" dirty="0"/>
+              <a:t>Denne </a:t>
+            </a:r>
+            <a:r>
+              <a:rPr lang="en-US" sz="1700" dirty="0" err="1"/>
+              <a:t>metode</a:t>
+            </a:r>
+            <a:r>
+              <a:rPr lang="en-US" sz="1700" dirty="0"/>
+              <a:t> </a:t>
+            </a:r>
+            <a:r>
+              <a:rPr lang="en-US" sz="1700" dirty="0" err="1"/>
+              <a:t>sørger</a:t>
+            </a:r>
+            <a:r>
+              <a:rPr lang="en-US" sz="1700" dirty="0"/>
+              <a:t> for at </a:t>
+            </a:r>
+            <a:r>
+              <a:rPr lang="en-US" sz="1700" dirty="0" err="1"/>
+              <a:t>ryde</a:t>
+            </a:r>
+            <a:r>
+              <a:rPr lang="en-US" sz="1700" dirty="0"/>
+              <a:t> den </a:t>
+            </a:r>
+            <a:r>
+              <a:rPr lang="en-US" sz="1700" dirty="0" err="1"/>
+              <a:t>virtuelle</a:t>
+            </a:r>
+            <a:r>
+              <a:rPr lang="en-US" sz="1700" dirty="0"/>
+              <a:t> memory.</a:t>
+            </a:r>
+          </a:p>
+          <a:p>
+            <a:r>
+              <a:rPr lang="en-US" sz="1700" dirty="0" err="1"/>
+              <a:t>Ikke</a:t>
+            </a:r>
+            <a:r>
+              <a:rPr lang="en-US" sz="1700" dirty="0"/>
+              <a:t> </a:t>
+            </a:r>
+            <a:r>
+              <a:rPr lang="en-US" sz="1700" dirty="0" err="1"/>
+              <a:t>kun</a:t>
+            </a:r>
+            <a:r>
+              <a:rPr lang="en-US" sz="1700" dirty="0"/>
+              <a:t> for </a:t>
+            </a:r>
+            <a:r>
+              <a:rPr lang="en-US" sz="1700" dirty="0" err="1"/>
+              <a:t>selve</a:t>
+            </a:r>
+            <a:r>
+              <a:rPr lang="en-US" sz="1700" dirty="0"/>
+              <a:t> </a:t>
+            </a:r>
+            <a:r>
+              <a:rPr lang="en-US" sz="1700" dirty="0" err="1"/>
+              <a:t>objektet</a:t>
+            </a:r>
+            <a:r>
+              <a:rPr lang="en-US" sz="1700" dirty="0"/>
+              <a:t> men </a:t>
+            </a:r>
+            <a:r>
+              <a:rPr lang="en-US" sz="1700" dirty="0" err="1"/>
+              <a:t>yderligere</a:t>
+            </a:r>
+            <a:r>
+              <a:rPr lang="en-US" sz="1700" dirty="0"/>
+              <a:t> </a:t>
+            </a:r>
+            <a:r>
+              <a:rPr lang="en-US" sz="1700" dirty="0" err="1"/>
+              <a:t>afhængige</a:t>
+            </a:r>
+            <a:r>
+              <a:rPr lang="en-US" sz="1700" dirty="0"/>
+              <a:t> reference </a:t>
+            </a:r>
+            <a:r>
+              <a:rPr lang="en-US" sz="1700" dirty="0" err="1"/>
+              <a:t>som</a:t>
+            </a:r>
+            <a:r>
+              <a:rPr lang="en-US" sz="1700" dirty="0"/>
+              <a:t> </a:t>
+            </a:r>
+            <a:r>
+              <a:rPr lang="en-US" sz="1700" dirty="0" err="1"/>
+              <a:t>optager</a:t>
+            </a:r>
+            <a:r>
+              <a:rPr lang="en-US" sz="1700" dirty="0"/>
+              <a:t> </a:t>
+            </a:r>
+            <a:r>
+              <a:rPr lang="en-US" sz="1700" dirty="0" err="1"/>
+              <a:t>hukommelse</a:t>
+            </a:r>
+            <a:endParaRPr lang="en-US" sz="1700" dirty="0"/>
+          </a:p>
+          <a:p>
+            <a:r>
+              <a:rPr lang="en-US" sz="1700" dirty="0"/>
+              <a:t>Det </a:t>
+            </a:r>
+            <a:r>
+              <a:rPr lang="en-US" sz="1700" dirty="0" err="1"/>
+              <a:t>tager</a:t>
+            </a:r>
+            <a:r>
+              <a:rPr lang="en-US" sz="1700" dirty="0"/>
+              <a:t> </a:t>
+            </a:r>
+            <a:r>
+              <a:rPr lang="en-US" sz="1700" dirty="0" err="1"/>
+              <a:t>ekstra</a:t>
+            </a:r>
+            <a:r>
+              <a:rPr lang="en-US" sz="1700" dirty="0"/>
+              <a:t> </a:t>
+            </a:r>
+            <a:r>
+              <a:rPr lang="en-US" sz="1700" dirty="0" err="1"/>
+              <a:t>tid</a:t>
+            </a:r>
+            <a:r>
+              <a:rPr lang="en-US" sz="1700" dirty="0"/>
+              <a:t> for </a:t>
+            </a:r>
+            <a:r>
+              <a:rPr lang="en-US" sz="1700" dirty="0" err="1"/>
+              <a:t>compileren</a:t>
+            </a:r>
+            <a:r>
+              <a:rPr lang="en-US" sz="1700" dirty="0"/>
+              <a:t> at </a:t>
+            </a:r>
+            <a:r>
+              <a:rPr lang="en-US" sz="1700" dirty="0" err="1"/>
+              <a:t>udføre</a:t>
+            </a:r>
+            <a:r>
+              <a:rPr lang="en-US" sz="1700" dirty="0"/>
+              <a:t> </a:t>
+            </a:r>
+            <a:r>
+              <a:rPr lang="en-US" sz="1700" dirty="0" err="1"/>
+              <a:t>en</a:t>
+            </a:r>
+            <a:r>
+              <a:rPr lang="en-US" sz="1700" dirty="0"/>
+              <a:t> finalize </a:t>
+            </a:r>
+            <a:r>
+              <a:rPr lang="en-US" sz="1700" dirty="0" err="1"/>
+              <a:t>metode</a:t>
+            </a:r>
+            <a:r>
+              <a:rPr lang="en-US" sz="1700" dirty="0"/>
+              <a:t>. </a:t>
+            </a:r>
+          </a:p>
+          <a:p>
+            <a:r>
+              <a:rPr lang="en-US" sz="1700" dirty="0" err="1"/>
+              <a:t>Derfor</a:t>
+            </a:r>
+            <a:r>
+              <a:rPr lang="en-US" sz="1700" dirty="0"/>
+              <a:t> </a:t>
+            </a:r>
+            <a:r>
+              <a:rPr lang="en-US" sz="1700" dirty="0" err="1"/>
+              <a:t>er</a:t>
+            </a:r>
+            <a:r>
+              <a:rPr lang="en-US" sz="1700" dirty="0"/>
+              <a:t> det </a:t>
+            </a:r>
+            <a:r>
+              <a:rPr lang="en-US" sz="1700" dirty="0" err="1"/>
+              <a:t>bedst</a:t>
+            </a:r>
+            <a:r>
+              <a:rPr lang="en-US" sz="1700" dirty="0"/>
+              <a:t> at </a:t>
+            </a:r>
+            <a:r>
+              <a:rPr lang="en-US" sz="1700" dirty="0" err="1"/>
+              <a:t>udføre</a:t>
+            </a:r>
+            <a:r>
+              <a:rPr lang="en-US" sz="1700" dirty="0"/>
+              <a:t> </a:t>
+            </a:r>
+            <a:r>
+              <a:rPr lang="en-US" sz="1700" dirty="0" err="1"/>
+              <a:t>oprydningen</a:t>
+            </a:r>
+            <a:r>
+              <a:rPr lang="en-US" sz="1700" dirty="0"/>
+              <a:t> </a:t>
+            </a:r>
+            <a:r>
+              <a:rPr lang="en-US" sz="1700" dirty="0" err="1"/>
+              <a:t>selv</a:t>
+            </a:r>
+            <a:r>
+              <a:rPr lang="en-US" sz="1700" dirty="0"/>
+              <a:t>, </a:t>
+            </a:r>
+            <a:r>
+              <a:rPr lang="en-US" sz="1700" dirty="0" err="1"/>
+              <a:t>ved</a:t>
+            </a:r>
+            <a:r>
+              <a:rPr lang="en-US" sz="1700" dirty="0"/>
+              <a:t> </a:t>
+            </a:r>
+            <a:r>
+              <a:rPr lang="en-US" sz="1700" dirty="0" err="1"/>
+              <a:t>eks</a:t>
+            </a:r>
+            <a:r>
+              <a:rPr lang="en-US" sz="1700" dirty="0"/>
+              <a:t>. </a:t>
+            </a:r>
+            <a:r>
+              <a:rPr lang="en-US" sz="1700" dirty="0" err="1"/>
+              <a:t>Idisposable</a:t>
+            </a:r>
+            <a:r>
+              <a:rPr lang="en-US" sz="1700" dirty="0"/>
+              <a:t> pattern.</a:t>
+            </a:r>
+            <a:endParaRPr lang="en-DK" sz="1700" dirty="0"/>
+          </a:p>
+          <a:p>
+            <a:endParaRPr lang="en-DK" sz="1700" dirty="0"/>
           </a:p>
         </p:txBody>
       </p:sp>
@@ -8228,14 +8747,6 @@
             </a:r>
             <a:r>
               <a:rPr lang="en-US" sz="2400" dirty="0"/>
-              <a:t> </a:t>
-            </a:r>
-            <a:r>
-              <a:rPr lang="en-US" sz="2400" dirty="0" err="1"/>
-              <a:t>af</a:t>
-            </a:r>
-            <a:r>
-              <a:rPr lang="en-US" sz="2400" dirty="0"/>
               <a:t> med COM</a:t>
             </a:r>
           </a:p>
@@ -8977,51 +9488,424 @@
         </p:spPr>
         <p:txBody>
           <a:bodyPr anchor="ctr">
-            <a:normAutofit/>
+            <a:normAutofit lnSpcReduction="10000"/>
           </a:bodyPr>
           <a:lstStyle/>
           <a:p>
             <a:r>
-              <a:rPr lang="en-US" sz="2000">
+              <a:rPr lang="en-US" sz="2000" dirty="0">
                 <a:solidFill>
                   <a:srgbClr val="FFFFFF"/>
                 </a:solidFill>
               </a:rPr>
-              <a:t>.NET modellen gør det nemere at bygge komponenter</a:t>
-            </a:r>
-          </a:p>
-          <a:p>
-            <a:r>
-              <a:rPr lang="en-US" sz="2000">
+              <a:t>.NET </a:t>
+            </a:r>
+            <a:r>
+              <a:rPr lang="en-US" sz="2000" dirty="0" err="1">
                 <a:solidFill>
                   <a:srgbClr val="FFFFFF"/>
                 </a:solidFill>
               </a:rPr>
-              <a:t>Måden det sker på er ved at alle komponenter har samme fundament</a:t>
-            </a:r>
-          </a:p>
-          <a:p>
-            <a:r>
-              <a:rPr lang="en-US" sz="2000">
+              <a:t>modellen</a:t>
+            </a:r>
+            <a:r>
+              <a:rPr lang="en-US" sz="2000" dirty="0">
                 <a:solidFill>
                   <a:srgbClr val="FFFFFF"/>
                 </a:solidFill>
               </a:rPr>
-              <a:t>Dette gør direkte kommunikation muligt mellem objekter I forskellige applikationer.</a:t>
-            </a:r>
-          </a:p>
-          <a:p>
-            <a:r>
-              <a:rPr lang="en-US" sz="2000">
+              <a:t> </a:t>
+            </a:r>
+            <a:r>
+              <a:rPr lang="en-US" sz="2000" dirty="0" err="1">
                 <a:solidFill>
                   <a:srgbClr val="FFFFFF"/>
                 </a:solidFill>
               </a:rPr>
-              <a:t>Dette er muligt grundet CLR common language runtime.</a:t>
-            </a:r>
-          </a:p>
-          <a:p>
-            <a:endParaRPr lang="en-DK" sz="2000">
+              <a:t>gør</a:t>
+            </a:r>
+            <a:r>
+              <a:rPr lang="en-US" sz="2000" dirty="0">
+                <a:solidFill>
+                  <a:srgbClr val="FFFFFF"/>
+                </a:solidFill>
+              </a:rPr>
+              <a:t> det </a:t>
+            </a:r>
+            <a:r>
+              <a:rPr lang="en-US" sz="2000" dirty="0" err="1">
+                <a:solidFill>
+                  <a:srgbClr val="FFFFFF"/>
+                </a:solidFill>
+              </a:rPr>
+              <a:t>nemmere</a:t>
+            </a:r>
+            <a:r>
+              <a:rPr lang="en-US" sz="2000" dirty="0">
+                <a:solidFill>
+                  <a:srgbClr val="FFFFFF"/>
+                </a:solidFill>
+              </a:rPr>
+              <a:t> at </a:t>
+            </a:r>
+            <a:r>
+              <a:rPr lang="en-US" sz="2000" dirty="0" err="1">
+                <a:solidFill>
+                  <a:srgbClr val="FFFFFF"/>
+                </a:solidFill>
+              </a:rPr>
+              <a:t>bygge</a:t>
+            </a:r>
+            <a:r>
+              <a:rPr lang="en-US" sz="2000" dirty="0">
+                <a:solidFill>
+                  <a:srgbClr val="FFFFFF"/>
+                </a:solidFill>
+              </a:rPr>
+              <a:t> </a:t>
+            </a:r>
+            <a:r>
+              <a:rPr lang="en-US" sz="2000" dirty="0" err="1">
+                <a:solidFill>
+                  <a:srgbClr val="FFFFFF"/>
+                </a:solidFill>
+              </a:rPr>
+              <a:t>komponenter</a:t>
+            </a:r>
+            <a:endParaRPr lang="en-US" sz="2000" dirty="0">
+              <a:solidFill>
+                <a:srgbClr val="FFFFFF"/>
+              </a:solidFill>
+            </a:endParaRPr>
+          </a:p>
+          <a:p>
+            <a:r>
+              <a:rPr lang="en-US" sz="2000" dirty="0" err="1">
+                <a:solidFill>
+                  <a:srgbClr val="FFFFFF"/>
+                </a:solidFill>
+              </a:rPr>
+              <a:t>Måden</a:t>
+            </a:r>
+            <a:r>
+              <a:rPr lang="en-US" sz="2000" dirty="0">
+                <a:solidFill>
+                  <a:srgbClr val="FFFFFF"/>
+                </a:solidFill>
+              </a:rPr>
+              <a:t> det </a:t>
+            </a:r>
+            <a:r>
+              <a:rPr lang="en-US" sz="2000" dirty="0" err="1">
+                <a:solidFill>
+                  <a:srgbClr val="FFFFFF"/>
+                </a:solidFill>
+              </a:rPr>
+              <a:t>sker</a:t>
+            </a:r>
+            <a:r>
+              <a:rPr lang="en-US" sz="2000" dirty="0">
+                <a:solidFill>
+                  <a:srgbClr val="FFFFFF"/>
+                </a:solidFill>
+              </a:rPr>
+              <a:t> </a:t>
+            </a:r>
+            <a:r>
+              <a:rPr lang="en-US" sz="2000" dirty="0" err="1">
+                <a:solidFill>
+                  <a:srgbClr val="FFFFFF"/>
+                </a:solidFill>
+              </a:rPr>
+              <a:t>på</a:t>
+            </a:r>
+            <a:r>
+              <a:rPr lang="en-US" sz="2000" dirty="0">
+                <a:solidFill>
+                  <a:srgbClr val="FFFFFF"/>
+                </a:solidFill>
+              </a:rPr>
+              <a:t> </a:t>
+            </a:r>
+            <a:r>
+              <a:rPr lang="en-US" sz="2000" dirty="0" err="1">
+                <a:solidFill>
+                  <a:srgbClr val="FFFFFF"/>
+                </a:solidFill>
+              </a:rPr>
+              <a:t>er</a:t>
+            </a:r>
+            <a:r>
+              <a:rPr lang="en-US" sz="2000" dirty="0">
+                <a:solidFill>
+                  <a:srgbClr val="FFFFFF"/>
+                </a:solidFill>
+              </a:rPr>
+              <a:t> </a:t>
+            </a:r>
+            <a:r>
+              <a:rPr lang="en-US" sz="2000" dirty="0" err="1">
+                <a:solidFill>
+                  <a:srgbClr val="FFFFFF"/>
+                </a:solidFill>
+              </a:rPr>
+              <a:t>ved</a:t>
+            </a:r>
+            <a:r>
+              <a:rPr lang="en-US" sz="2000" dirty="0">
+                <a:solidFill>
+                  <a:srgbClr val="FFFFFF"/>
+                </a:solidFill>
+              </a:rPr>
+              <a:t> at </a:t>
+            </a:r>
+            <a:r>
+              <a:rPr lang="en-US" sz="2000" dirty="0" err="1">
+                <a:solidFill>
+                  <a:srgbClr val="FFFFFF"/>
+                </a:solidFill>
+              </a:rPr>
+              <a:t>alle</a:t>
+            </a:r>
+            <a:r>
+              <a:rPr lang="en-US" sz="2000" dirty="0">
+                <a:solidFill>
+                  <a:srgbClr val="FFFFFF"/>
+                </a:solidFill>
+              </a:rPr>
+              <a:t> </a:t>
+            </a:r>
+            <a:r>
+              <a:rPr lang="en-US" sz="2000" dirty="0" err="1">
+                <a:solidFill>
+                  <a:srgbClr val="FFFFFF"/>
+                </a:solidFill>
+              </a:rPr>
+              <a:t>komponenter</a:t>
+            </a:r>
+            <a:r>
+              <a:rPr lang="en-US" sz="2000" dirty="0">
+                <a:solidFill>
+                  <a:srgbClr val="FFFFFF"/>
+                </a:solidFill>
+              </a:rPr>
+              <a:t> har </a:t>
+            </a:r>
+            <a:r>
+              <a:rPr lang="en-US" sz="2000" dirty="0" err="1">
+                <a:solidFill>
+                  <a:srgbClr val="FFFFFF"/>
+                </a:solidFill>
+              </a:rPr>
+              <a:t>samme</a:t>
+            </a:r>
+            <a:r>
+              <a:rPr lang="en-US" sz="2000" dirty="0">
+                <a:solidFill>
+                  <a:srgbClr val="FFFFFF"/>
+                </a:solidFill>
+              </a:rPr>
+              <a:t> fundament</a:t>
+            </a:r>
+          </a:p>
+          <a:p>
+            <a:r>
+              <a:rPr lang="en-US" sz="2000" dirty="0">
+                <a:solidFill>
+                  <a:srgbClr val="FFFFFF"/>
+                </a:solidFill>
+              </a:rPr>
+              <a:t>Dette </a:t>
+            </a:r>
+            <a:r>
+              <a:rPr lang="en-US" sz="2000" dirty="0" err="1">
+                <a:solidFill>
+                  <a:srgbClr val="FFFFFF"/>
+                </a:solidFill>
+              </a:rPr>
+              <a:t>gør</a:t>
+            </a:r>
+            <a:r>
+              <a:rPr lang="en-US" sz="2000" dirty="0">
+                <a:solidFill>
+                  <a:srgbClr val="FFFFFF"/>
+                </a:solidFill>
+              </a:rPr>
+              <a:t> </a:t>
+            </a:r>
+            <a:r>
+              <a:rPr lang="en-US" sz="2000" dirty="0" err="1">
+                <a:solidFill>
+                  <a:srgbClr val="FFFFFF"/>
+                </a:solidFill>
+              </a:rPr>
+              <a:t>direkte</a:t>
+            </a:r>
+            <a:r>
+              <a:rPr lang="en-US" sz="2000" dirty="0">
+                <a:solidFill>
+                  <a:srgbClr val="FFFFFF"/>
+                </a:solidFill>
+              </a:rPr>
+              <a:t> </a:t>
+            </a:r>
+            <a:r>
+              <a:rPr lang="en-US" sz="2000" dirty="0" err="1">
+                <a:solidFill>
+                  <a:srgbClr val="FFFFFF"/>
+                </a:solidFill>
+              </a:rPr>
+              <a:t>kommunikation</a:t>
+            </a:r>
+            <a:r>
+              <a:rPr lang="en-US" sz="2000" dirty="0">
+                <a:solidFill>
+                  <a:srgbClr val="FFFFFF"/>
+                </a:solidFill>
+              </a:rPr>
+              <a:t> </a:t>
+            </a:r>
+            <a:r>
+              <a:rPr lang="en-US" sz="2000" dirty="0" err="1">
+                <a:solidFill>
+                  <a:srgbClr val="FFFFFF"/>
+                </a:solidFill>
+              </a:rPr>
+              <a:t>muligt</a:t>
+            </a:r>
+            <a:r>
+              <a:rPr lang="en-US" sz="2000" dirty="0">
+                <a:solidFill>
+                  <a:srgbClr val="FFFFFF"/>
+                </a:solidFill>
+              </a:rPr>
+              <a:t> </a:t>
+            </a:r>
+            <a:r>
+              <a:rPr lang="en-US" sz="2000" dirty="0" err="1">
+                <a:solidFill>
+                  <a:srgbClr val="FFFFFF"/>
+                </a:solidFill>
+              </a:rPr>
+              <a:t>mellem</a:t>
+            </a:r>
+            <a:r>
+              <a:rPr lang="en-US" sz="2000" dirty="0">
+                <a:solidFill>
+                  <a:srgbClr val="FFFFFF"/>
+                </a:solidFill>
+              </a:rPr>
+              <a:t> </a:t>
+            </a:r>
+            <a:r>
+              <a:rPr lang="en-US" sz="2000" dirty="0" err="1">
+                <a:solidFill>
+                  <a:srgbClr val="FFFFFF"/>
+                </a:solidFill>
+              </a:rPr>
+              <a:t>objekter</a:t>
+            </a:r>
+            <a:r>
+              <a:rPr lang="en-US" sz="2000" dirty="0">
+                <a:solidFill>
+                  <a:srgbClr val="FFFFFF"/>
+                </a:solidFill>
+              </a:rPr>
+              <a:t> I </a:t>
+            </a:r>
+            <a:r>
+              <a:rPr lang="en-US" sz="2000" dirty="0" err="1">
+                <a:solidFill>
+                  <a:srgbClr val="FFFFFF"/>
+                </a:solidFill>
+              </a:rPr>
+              <a:t>forskellige</a:t>
+            </a:r>
+            <a:r>
+              <a:rPr lang="en-US" sz="2000" dirty="0">
+                <a:solidFill>
+                  <a:srgbClr val="FFFFFF"/>
+                </a:solidFill>
+              </a:rPr>
+              <a:t> </a:t>
+            </a:r>
+            <a:r>
+              <a:rPr lang="en-US" sz="2000" dirty="0" err="1">
+                <a:solidFill>
+                  <a:srgbClr val="FFFFFF"/>
+                </a:solidFill>
+              </a:rPr>
+              <a:t>applikationer</a:t>
+            </a:r>
+            <a:r>
+              <a:rPr lang="en-US" sz="2000" dirty="0">
+                <a:solidFill>
+                  <a:srgbClr val="FFFFFF"/>
+                </a:solidFill>
+              </a:rPr>
+              <a:t>.</a:t>
+            </a:r>
+          </a:p>
+          <a:p>
+            <a:r>
+              <a:rPr lang="en-US" sz="2000" dirty="0">
+                <a:solidFill>
+                  <a:srgbClr val="FFFFFF"/>
+                </a:solidFill>
+              </a:rPr>
+              <a:t>Dette </a:t>
+            </a:r>
+            <a:r>
+              <a:rPr lang="en-US" sz="2000" dirty="0" err="1">
+                <a:solidFill>
+                  <a:srgbClr val="FFFFFF"/>
+                </a:solidFill>
+              </a:rPr>
+              <a:t>er</a:t>
+            </a:r>
+            <a:r>
+              <a:rPr lang="en-US" sz="2000" dirty="0">
+                <a:solidFill>
+                  <a:srgbClr val="FFFFFF"/>
+                </a:solidFill>
+              </a:rPr>
+              <a:t> </a:t>
+            </a:r>
+            <a:r>
+              <a:rPr lang="en-US" sz="2000" dirty="0" err="1">
+                <a:solidFill>
+                  <a:srgbClr val="FFFFFF"/>
+                </a:solidFill>
+              </a:rPr>
+              <a:t>muligt</a:t>
+            </a:r>
+            <a:r>
+              <a:rPr lang="en-US" sz="2000" dirty="0">
+                <a:solidFill>
+                  <a:srgbClr val="FFFFFF"/>
+                </a:solidFill>
+              </a:rPr>
+              <a:t> </a:t>
+            </a:r>
+            <a:r>
+              <a:rPr lang="en-US" sz="2000" dirty="0" err="1">
+                <a:solidFill>
+                  <a:srgbClr val="FFFFFF"/>
+                </a:solidFill>
+              </a:rPr>
+              <a:t>grundet</a:t>
+            </a:r>
+            <a:r>
+              <a:rPr lang="en-US" sz="2000" dirty="0">
+                <a:solidFill>
+                  <a:srgbClr val="FFFFFF"/>
+                </a:solidFill>
+              </a:rPr>
+              <a:t> CLR common language runtime.</a:t>
+            </a:r>
+          </a:p>
+          <a:p>
+            <a:endParaRPr lang="en-DK" sz="2000" dirty="0">
               <a:solidFill>
                 <a:srgbClr val="FFFFFF"/>
               </a:solidFill>
@@ -9120,10 +10004,10 @@
       </p:grpSpPr>
       <p:sp>
         <p:nvSpPr>
-          <p:cNvPr id="28" name="Freeform: Shape 27">
+          <p:cNvPr id="35" name="Rectangle 34">
             <a:extLst>
               <a:ext uri="{FF2B5EF4-FFF2-40B4-BE49-F238E27FC236}">
-                <a16:creationId xmlns:a16="http://schemas.microsoft.com/office/drawing/2014/main" id="{F60FCA6E-0894-46CD-BD49-5955A51E0084}"/>
+                <a16:creationId xmlns:a16="http://schemas.microsoft.com/office/drawing/2014/main" id="{EBF87945-A001-489F-9D9B-7D9435F0B9CA}"/>
               </a:ext>
               <a:ext uri="{C183D7F6-B498-43B3-948B-1728B52AA6E4}">
                 <adec:decorative xmlns:adec="http://schemas.microsoft.com/office/drawing/2017/decorative" val="1"/>
@@ -9143,327 +10027,17 @@
         </p:nvSpPr>
         <p:spPr>
           <a:xfrm>
-            <a:off x="6831955" y="5346696"/>
-            <a:ext cx="5360045" cy="1511304"/>
+            <a:off x="548639" y="347471"/>
+            <a:ext cx="11100816" cy="1801368"/>
           </a:xfrm>
-          <a:custGeom>
+          <a:prstGeom prst="rect">
             <a:avLst/>
-            <a:gdLst>
-              <a:gd name="connsiteX0" fmla="*/ 4545473 w 5360045"/>
-              <a:gd name="connsiteY0" fmla="*/ 0 h 1511304"/>
-              <a:gd name="connsiteX1" fmla="*/ 5360045 w 5360045"/>
-              <a:gd name="connsiteY1" fmla="*/ 0 h 1511304"/>
-              <a:gd name="connsiteX2" fmla="*/ 5360045 w 5360045"/>
-              <a:gd name="connsiteY2" fmla="*/ 1046730 h 1511304"/>
-              <a:gd name="connsiteX3" fmla="*/ 5360045 w 5360045"/>
-              <a:gd name="connsiteY3" fmla="*/ 1508760 h 1511304"/>
-              <a:gd name="connsiteX4" fmla="*/ 5360045 w 5360045"/>
-              <a:gd name="connsiteY4" fmla="*/ 1511304 h 1511304"/>
-              <a:gd name="connsiteX5" fmla="*/ 4545474 w 5360045"/>
-              <a:gd name="connsiteY5" fmla="*/ 1511304 h 1511304"/>
-              <a:gd name="connsiteX6" fmla="*/ 2525897 w 5360045"/>
-              <a:gd name="connsiteY6" fmla="*/ 1511304 h 1511304"/>
-              <a:gd name="connsiteX7" fmla="*/ 0 w 5360045"/>
-              <a:gd name="connsiteY7" fmla="*/ 1511304 h 1511304"/>
-              <a:gd name="connsiteX8" fmla="*/ 697617 w 5360045"/>
-              <a:gd name="connsiteY8" fmla="*/ 3 h 1511304"/>
-              <a:gd name="connsiteX9" fmla="*/ 4545473 w 5360045"/>
-              <a:gd name="connsiteY9" fmla="*/ 3 h 1511304"/>
-            </a:gdLst>
-            <a:ahLst/>
-            <a:cxnLst>
-              <a:cxn ang="0">
-                <a:pos x="connsiteX0" y="connsiteY0"/>
-              </a:cxn>
-              <a:cxn ang="0">
-                <a:pos x="connsiteX1" y="connsiteY1"/>
-              </a:cxn>
-              <a:cxn ang="0">
-                <a:pos x="connsiteX2" y="connsiteY2"/>
-              </a:cxn>
-              <a:cxn ang="0">
-                <a:pos x="connsiteX3" y="connsiteY3"/>
-              </a:cxn>
-              <a:cxn ang="0">
-                <a:pos x="connsiteX4" y="connsiteY4"/>
-              </a:cxn>
-              <a:cxn ang="0">
-                <a:pos x="connsiteX5" y="connsiteY5"/>
-              </a:cxn>
-              <a:cxn ang="0">
-                <a:pos x="connsiteX6" y="connsiteY6"/>
-              </a:cxn>
-              <a:cxn ang="0">
-                <a:pos x="connsiteX7" y="connsiteY7"/>
-              </a:cxn>
-              <a:cxn ang="0">
-                <a:pos x="connsiteX8" y="connsiteY8"/>
-              </a:cxn>
-              <a:cxn ang="0">
-                <a:pos x="connsiteX9" y="connsiteY9"/>
-              </a:cxn>
-            </a:cxnLst>
-            <a:rect l="l" t="t" r="r" b="b"/>
-            <a:pathLst>
-              <a:path w="5360045" h="1511304">
-                <a:moveTo>
-                  <a:pt x="4545473" y="0"/>
-                </a:moveTo>
-                <a:lnTo>
-                  <a:pt x="5360045" y="0"/>
-                </a:lnTo>
-                <a:lnTo>
-                  <a:pt x="5360045" y="1046730"/>
-                </a:lnTo>
-                <a:lnTo>
-                  <a:pt x="5360045" y="1508760"/>
-                </a:lnTo>
-                <a:lnTo>
-                  <a:pt x="5360045" y="1511304"/>
-                </a:lnTo>
-                <a:lnTo>
-                  <a:pt x="4545474" y="1511304"/>
-                </a:lnTo>
-                <a:lnTo>
-                  <a:pt x="2525897" y="1511304"/>
-                </a:lnTo>
-                <a:lnTo>
-                  <a:pt x="0" y="1511304"/>
-                </a:lnTo>
-                <a:lnTo>
-                  <a:pt x="697617" y="3"/>
-                </a:lnTo>
-                <a:lnTo>
-                  <a:pt x="4545473" y="3"/>
-                </a:lnTo>
-                <a:close/>
-              </a:path>
-            </a:pathLst>
-          </a:custGeom>
+          </a:prstGeom>
           <a:solidFill>
-            <a:srgbClr val="404040">
-              <a:alpha val="84706"/>
-            </a:srgbClr>
-          </a:solidFill>
-          <a:ln>
-            <a:noFill/>
-          </a:ln>
-        </p:spPr>
-        <p:style>
-          <a:lnRef idx="2">
-            <a:schemeClr val="accent1">
-              <a:shade val="50000"/>
+            <a:schemeClr val="tx1">
+              <a:lumMod val="75000"/>
+              <a:lumOff val="25000"/>
             </a:schemeClr>
-          </a:lnRef>
-          <a:fillRef idx="1">
-            <a:schemeClr val="accent1"/>
-          </a:fillRef>
-          <a:effectRef idx="0">
-            <a:schemeClr val="accent1"/>
-          </a:effectRef>
-          <a:fontRef idx="minor">
-            <a:schemeClr val="lt1"/>
-          </a:fontRef>
-        </p:style>
-        <p:txBody>
-          <a:bodyPr wrap="square" rtlCol="0" anchor="ctr">
-            <a:noAutofit/>
-          </a:bodyPr>
-          <a:lstStyle/>
-          <a:p>
-            <a:pPr algn="ctr"/>
-            <a:endParaRPr lang="en-US"/>
-          </a:p>
-        </p:txBody>
-      </p:sp>
-      <p:sp>
-        <p:nvSpPr>
-          <p:cNvPr id="30" name="Freeform: Shape 29">
-            <a:extLst>
-              <a:ext uri="{FF2B5EF4-FFF2-40B4-BE49-F238E27FC236}">
-                <a16:creationId xmlns:a16="http://schemas.microsoft.com/office/drawing/2014/main" id="{E78C6E4B-A1F1-4B6C-97EC-BE997495D6AC}"/>
-              </a:ext>
-              <a:ext uri="{C183D7F6-B498-43B3-948B-1728B52AA6E4}">
-                <adec:decorative xmlns:adec="http://schemas.microsoft.com/office/drawing/2017/decorative" val="1"/>
-              </a:ext>
-            </a:extLst>
-          </p:cNvPr>
-          <p:cNvSpPr>
-            <a:spLocks noGrp="1" noRot="1" noChangeAspect="1" noMove="1" noResize="1" noEditPoints="1" noAdjustHandles="1" noChangeArrowheads="1" noChangeShapeType="1" noTextEdit="1"/>
-          </p:cNvSpPr>
-          <p:nvPr>
-            <p:extLst>
-              <p:ext uri="{386F3935-93C4-4BCD-93E2-E3B085C9AB24}">
-                <p16:designElem xmlns:p16="http://schemas.microsoft.com/office/powerpoint/2015/main" val="1"/>
-              </p:ext>
-            </p:extLst>
-          </p:nvPr>
-        </p:nvSpPr>
-        <p:spPr>
-          <a:xfrm>
-            <a:off x="0" y="5346694"/>
-            <a:ext cx="7346605" cy="1511306"/>
-          </a:xfrm>
-          <a:custGeom>
-            <a:avLst/>
-            <a:gdLst>
-              <a:gd name="connsiteX0" fmla="*/ 0 w 7346605"/>
-              <a:gd name="connsiteY0" fmla="*/ 0 h 1511306"/>
-              <a:gd name="connsiteX1" fmla="*/ 239486 w 7346605"/>
-              <a:gd name="connsiteY1" fmla="*/ 0 h 1511306"/>
-              <a:gd name="connsiteX2" fmla="*/ 1209568 w 7346605"/>
-              <a:gd name="connsiteY2" fmla="*/ 0 h 1511306"/>
-              <a:gd name="connsiteX3" fmla="*/ 2405743 w 7346605"/>
-              <a:gd name="connsiteY3" fmla="*/ 0 h 1511306"/>
-              <a:gd name="connsiteX4" fmla="*/ 2405743 w 7346605"/>
-              <a:gd name="connsiteY4" fmla="*/ 2544 h 1511306"/>
-              <a:gd name="connsiteX5" fmla="*/ 2801131 w 7346605"/>
-              <a:gd name="connsiteY5" fmla="*/ 2544 h 1511306"/>
-              <a:gd name="connsiteX6" fmla="*/ 2801131 w 7346605"/>
-              <a:gd name="connsiteY6" fmla="*/ 0 h 1511306"/>
-              <a:gd name="connsiteX7" fmla="*/ 7346605 w 7346605"/>
-              <a:gd name="connsiteY7" fmla="*/ 0 h 1511306"/>
-              <a:gd name="connsiteX8" fmla="*/ 6648988 w 7346605"/>
-              <a:gd name="connsiteY8" fmla="*/ 1511301 h 1511306"/>
-              <a:gd name="connsiteX9" fmla="*/ 2801132 w 7346605"/>
-              <a:gd name="connsiteY9" fmla="*/ 1511301 h 1511306"/>
-              <a:gd name="connsiteX10" fmla="*/ 2801132 w 7346605"/>
-              <a:gd name="connsiteY10" fmla="*/ 1511304 h 1511306"/>
-              <a:gd name="connsiteX11" fmla="*/ 2405743 w 7346605"/>
-              <a:gd name="connsiteY11" fmla="*/ 1511304 h 1511306"/>
-              <a:gd name="connsiteX12" fmla="*/ 2405743 w 7346605"/>
-              <a:gd name="connsiteY12" fmla="*/ 1511306 h 1511306"/>
-              <a:gd name="connsiteX13" fmla="*/ 1333411 w 7346605"/>
-              <a:gd name="connsiteY13" fmla="*/ 1511306 h 1511306"/>
-              <a:gd name="connsiteX14" fmla="*/ 1219208 w 7346605"/>
-              <a:gd name="connsiteY14" fmla="*/ 1511306 h 1511306"/>
-              <a:gd name="connsiteX15" fmla="*/ 1209568 w 7346605"/>
-              <a:gd name="connsiteY15" fmla="*/ 1511306 h 1511306"/>
-              <a:gd name="connsiteX16" fmla="*/ 239486 w 7346605"/>
-              <a:gd name="connsiteY16" fmla="*/ 1511306 h 1511306"/>
-              <a:gd name="connsiteX17" fmla="*/ 0 w 7346605"/>
-              <a:gd name="connsiteY17" fmla="*/ 1511306 h 1511306"/>
-            </a:gdLst>
-            <a:ahLst/>
-            <a:cxnLst>
-              <a:cxn ang="0">
-                <a:pos x="connsiteX0" y="connsiteY0"/>
-              </a:cxn>
-              <a:cxn ang="0">
-                <a:pos x="connsiteX1" y="connsiteY1"/>
-              </a:cxn>
-              <a:cxn ang="0">
-                <a:pos x="connsiteX2" y="connsiteY2"/>
-              </a:cxn>
-              <a:cxn ang="0">
-                <a:pos x="connsiteX3" y="connsiteY3"/>
-              </a:cxn>
-              <a:cxn ang="0">
-                <a:pos x="connsiteX4" y="connsiteY4"/>
-              </a:cxn>
-              <a:cxn ang="0">
-                <a:pos x="connsiteX5" y="connsiteY5"/>
-              </a:cxn>
-              <a:cxn ang="0">
-                <a:pos x="connsiteX6" y="connsiteY6"/>
-              </a:cxn>
-              <a:cxn ang="0">
-                <a:pos x="connsiteX7" y="connsiteY7"/>
-              </a:cxn>
-              <a:cxn ang="0">
-                <a:pos x="connsiteX8" y="connsiteY8"/>
-              </a:cxn>
-              <a:cxn ang="0">
-                <a:pos x="connsiteX9" y="connsiteY9"/>
-              </a:cxn>
-              <a:cxn ang="0">
-                <a:pos x="connsiteX10" y="connsiteY10"/>
-              </a:cxn>
-              <a:cxn ang="0">
-                <a:pos x="connsiteX11" y="connsiteY11"/>
-              </a:cxn>
-              <a:cxn ang="0">
-                <a:pos x="connsiteX12" y="connsiteY12"/>
-              </a:cxn>
-              <a:cxn ang="0">
-                <a:pos x="connsiteX13" y="connsiteY13"/>
-              </a:cxn>
-              <a:cxn ang="0">
-                <a:pos x="connsiteX14" y="connsiteY14"/>
-              </a:cxn>
-              <a:cxn ang="0">
-                <a:pos x="connsiteX15" y="connsiteY15"/>
-              </a:cxn>
-              <a:cxn ang="0">
-                <a:pos x="connsiteX16" y="connsiteY16"/>
-              </a:cxn>
-              <a:cxn ang="0">
-                <a:pos x="connsiteX17" y="connsiteY17"/>
-              </a:cxn>
-            </a:cxnLst>
-            <a:rect l="l" t="t" r="r" b="b"/>
-            <a:pathLst>
-              <a:path w="7346605" h="1511306">
-                <a:moveTo>
-                  <a:pt x="0" y="0"/>
-                </a:moveTo>
-                <a:lnTo>
-                  <a:pt x="239486" y="0"/>
-                </a:lnTo>
-                <a:lnTo>
-                  <a:pt x="1209568" y="0"/>
-                </a:lnTo>
-                <a:lnTo>
-                  <a:pt x="2405743" y="0"/>
-                </a:lnTo>
-                <a:lnTo>
-                  <a:pt x="2405743" y="2544"/>
-                </a:lnTo>
-                <a:lnTo>
-                  <a:pt x="2801131" y="2544"/>
-                </a:lnTo>
-                <a:lnTo>
-                  <a:pt x="2801131" y="0"/>
-                </a:lnTo>
-                <a:lnTo>
-                  <a:pt x="7346605" y="0"/>
-                </a:lnTo>
-                <a:lnTo>
-                  <a:pt x="6648988" y="1511301"/>
-                </a:lnTo>
-                <a:lnTo>
-                  <a:pt x="2801132" y="1511301"/>
-                </a:lnTo>
-                <a:lnTo>
-                  <a:pt x="2801132" y="1511304"/>
-                </a:lnTo>
-                <a:lnTo>
-                  <a:pt x="2405743" y="1511304"/>
-                </a:lnTo>
-                <a:lnTo>
-                  <a:pt x="2405743" y="1511306"/>
-                </a:lnTo>
-                <a:lnTo>
-                  <a:pt x="1333411" y="1511306"/>
-                </a:lnTo>
-                <a:lnTo>
-                  <a:pt x="1219208" y="1511306"/>
-                </a:lnTo>
-                <a:lnTo>
-                  <a:pt x="1209568" y="1511306"/>
-                </a:lnTo>
-                <a:lnTo>
-                  <a:pt x="239486" y="1511306"/>
-                </a:lnTo>
-                <a:lnTo>
-                  <a:pt x="0" y="1511306"/>
-                </a:lnTo>
-                <a:close/>
-              </a:path>
-            </a:pathLst>
-          </a:custGeom>
-          <a:solidFill>
-            <a:srgbClr val="D0CECE"/>
           </a:solidFill>
           <a:ln>
             <a:noFill/>
@@ -9490,13 +10064,7 @@
           <a:lstStyle/>
           <a:p>
             <a:pPr algn="ctr"/>
-            <a:endParaRPr lang="en-US">
-              <a:solidFill>
-                <a:schemeClr val="bg1">
-                  <a:lumMod val="95000"/>
-                </a:schemeClr>
-              </a:solidFill>
-            </a:endParaRPr>
+            <a:endParaRPr lang="en-US"/>
           </a:p>
         </p:txBody>
       </p:sp>
@@ -9514,8 +10082,8 @@
         </p:nvSpPr>
         <p:spPr>
           <a:xfrm>
-            <a:off x="841248" y="5529884"/>
-            <a:ext cx="5802656" cy="1096331"/>
+            <a:off x="838200" y="585216"/>
+            <a:ext cx="10515600" cy="1325563"/>
           </a:xfrm>
           <a:prstGeom prst="rect">
             <a:avLst/>
@@ -9539,9 +10107,9 @@
               </a:spcAft>
             </a:pPr>
             <a:r>
-              <a:rPr lang="en-US" sz="4000">
-                <a:solidFill>
-                  <a:srgbClr val="303030"/>
+              <a:rPr lang="en-US" sz="4400">
+                <a:solidFill>
+                  <a:schemeClr val="bg1"/>
                 </a:solidFill>
                 <a:latin typeface="+mj-lt"/>
                 <a:ea typeface="+mj-ea"/>
@@ -9568,13 +10136,13 @@
         </p:nvPicPr>
         <p:blipFill rotWithShape="1">
           <a:blip r:embed="rId2"/>
-          <a:srcRect l="135" r="16417" b="-3"/>
+          <a:srcRect t="1090" r="3" b="1093"/>
           <a:stretch/>
         </p:blipFill>
         <p:spPr>
           <a:xfrm>
-            <a:off x="841248" y="604158"/>
-            <a:ext cx="6049941" cy="4350110"/>
+            <a:off x="841248" y="2516777"/>
+            <a:ext cx="6236208" cy="3660185"/>
           </a:xfrm>
           <a:prstGeom prst="rect">
             <a:avLst/>
@@ -9599,8 +10167,8 @@
         </p:nvSpPr>
         <p:spPr>
           <a:xfrm>
-            <a:off x="7534655" y="601315"/>
-            <a:ext cx="4008101" cy="4384342"/>
+            <a:off x="7546848" y="2516777"/>
+            <a:ext cx="3803904" cy="3660185"/>
           </a:xfrm>
         </p:spPr>
         <p:txBody>
@@ -9609,40 +10177,8 @@
           </a:bodyPr>
           <a:lstStyle/>
           <a:p>
-            <a:endParaRPr lang="en-US" sz="2000"/>
-          </a:p>
-        </p:txBody>
-      </p:sp>
-      <p:sp>
-        <p:nvSpPr>
-          <p:cNvPr id="2" name="TextBox 11">
-            <a:extLst>
-              <a:ext uri="{FF2B5EF4-FFF2-40B4-BE49-F238E27FC236}">
-                <a16:creationId xmlns:a16="http://schemas.microsoft.com/office/drawing/2014/main" id="{F7EFFE2A-EE76-4FE0-BADB-3BBE57C83C5A}"/>
-              </a:ext>
-            </a:extLst>
-          </p:cNvPr>
-          <p:cNvSpPr txBox="1"/>
-          <p:nvPr/>
-        </p:nvSpPr>
-        <p:spPr>
-          <a:xfrm>
-            <a:off x="2846452" y="4928767"/>
-            <a:ext cx="2910980" cy="369332"/>
-          </a:xfrm>
-          <a:prstGeom prst="rect">
-            <a:avLst/>
-          </a:prstGeom>
-          <a:noFill/>
-        </p:spPr>
-        <p:txBody>
-          <a:bodyPr wrap="square" rtlCol="0">
-            <a:spAutoFit/>
-          </a:bodyPr>
-          <a:lstStyle/>
-          <a:p>
-            <a:r>
-              <a:rPr lang="da-DK" dirty="0"/>
+            <a:r>
+              <a:rPr lang="en-US" sz="2200"/>
               <a:t>Kilde: Lektions slides</a:t>
             </a:r>
           </a:p>
@@ -12150,21 +12686,254 @@
           <a:lstStyle/>
           <a:p>
             <a:r>
-              <a:rPr lang="en-US" sz="2400"/>
-              <a:t>Derfor kan versionering udfra strongnames vide om der er tale om en ny version eller ej.</a:t>
-            </a:r>
-          </a:p>
-          <a:p>
-            <a:r>
-              <a:rPr lang="en-US" sz="2400"/>
-              <a:t>Det er vigtigt at huske at versionere assemblies med strongnames da det er den eneste måde at finde andre assemblies på.</a:t>
-            </a:r>
-          </a:p>
-          <a:p>
-            <a:r>
-              <a:rPr lang="en-US" sz="2400"/>
-              <a:t>I det tilfælde at der kommer opdateringer I softwaren, kan der laves en brugerdefineret versionerings politik</a:t>
-            </a:r>
+              <a:rPr lang="en-US" sz="2400" dirty="0" err="1"/>
+              <a:t>Derfor</a:t>
+            </a:r>
+            <a:r>
+              <a:rPr lang="en-US" sz="2400" dirty="0"/>
+              <a:t> </a:t>
+            </a:r>
+            <a:r>
+              <a:rPr lang="en-US" sz="2400" dirty="0" err="1"/>
+              <a:t>kan</a:t>
+            </a:r>
+            <a:r>
+              <a:rPr lang="en-US" sz="2400" dirty="0"/>
+              <a:t> </a:t>
+            </a:r>
+            <a:r>
+              <a:rPr lang="en-US" sz="2400" dirty="0" err="1"/>
+              <a:t>versionering</a:t>
+            </a:r>
+            <a:r>
+              <a:rPr lang="en-US" sz="2400" dirty="0"/>
+              <a:t> </a:t>
+            </a:r>
+            <a:r>
+              <a:rPr lang="en-US" sz="2400" dirty="0" err="1"/>
+              <a:t>udfra</a:t>
+            </a:r>
+            <a:r>
+              <a:rPr lang="en-US" sz="2400" dirty="0"/>
+              <a:t> </a:t>
+            </a:r>
+            <a:r>
+              <a:rPr lang="en-US" sz="2400" dirty="0" err="1"/>
+              <a:t>strongnames</a:t>
+            </a:r>
+            <a:r>
+              <a:rPr lang="en-US" sz="2400" dirty="0"/>
+              <a:t> vide om der </a:t>
+            </a:r>
+            <a:r>
+              <a:rPr lang="en-US" sz="2400" dirty="0" err="1"/>
+              <a:t>er</a:t>
+            </a:r>
+            <a:r>
+              <a:rPr lang="en-US" sz="2400" dirty="0"/>
+              <a:t> tale om </a:t>
+            </a:r>
+            <a:r>
+              <a:rPr lang="en-US" sz="2400" dirty="0" err="1"/>
+              <a:t>en</a:t>
+            </a:r>
+            <a:r>
+              <a:rPr lang="en-US" sz="2400" dirty="0"/>
+              <a:t> </a:t>
+            </a:r>
+            <a:r>
+              <a:rPr lang="en-US" sz="2400" dirty="0" err="1"/>
+              <a:t>ny</a:t>
+            </a:r>
+            <a:r>
+              <a:rPr lang="en-US" sz="2400" dirty="0"/>
+              <a:t> version </a:t>
+            </a:r>
+            <a:r>
+              <a:rPr lang="en-US" sz="2400" dirty="0" err="1"/>
+              <a:t>eller</a:t>
+            </a:r>
+            <a:r>
+              <a:rPr lang="en-US" sz="2400" dirty="0"/>
+              <a:t> </a:t>
+            </a:r>
+            <a:r>
+              <a:rPr lang="en-US" sz="2400" dirty="0" err="1"/>
+              <a:t>ej</a:t>
+            </a:r>
+            <a:r>
+              <a:rPr lang="en-US" sz="2400" dirty="0"/>
+              <a:t>.</a:t>
+            </a:r>
+          </a:p>
+          <a:p>
+            <a:r>
+              <a:rPr lang="en-US" sz="2400" dirty="0"/>
+              <a:t>Det </a:t>
+            </a:r>
+            <a:r>
+              <a:rPr lang="en-US" sz="2400" dirty="0" err="1"/>
+              <a:t>er</a:t>
+            </a:r>
+            <a:r>
+              <a:rPr lang="en-US" sz="2400" dirty="0"/>
+              <a:t> </a:t>
+            </a:r>
+            <a:r>
+              <a:rPr lang="en-US" sz="2400" dirty="0" err="1"/>
+              <a:t>vigtigt</a:t>
+            </a:r>
+            <a:r>
+              <a:rPr lang="en-US" sz="2400" dirty="0"/>
+              <a:t> at </a:t>
+            </a:r>
+            <a:r>
+              <a:rPr lang="en-US" sz="2400" dirty="0" err="1"/>
+              <a:t>huske</a:t>
+            </a:r>
+            <a:r>
+              <a:rPr lang="en-US" sz="2400" dirty="0"/>
+              <a:t> at </a:t>
+            </a:r>
+            <a:r>
+              <a:rPr lang="en-US" sz="2400" dirty="0" err="1"/>
+              <a:t>versionere</a:t>
+            </a:r>
+            <a:r>
+              <a:rPr lang="en-US" sz="2400" dirty="0"/>
+              <a:t> assemblies med </a:t>
+            </a:r>
+            <a:r>
+              <a:rPr lang="en-US" sz="2400" dirty="0" err="1"/>
+              <a:t>strongnames</a:t>
+            </a:r>
+            <a:r>
+              <a:rPr lang="en-US" sz="2400" dirty="0"/>
+              <a:t> da det </a:t>
+            </a:r>
+            <a:r>
+              <a:rPr lang="en-US" sz="2400" dirty="0" err="1"/>
+              <a:t>er</a:t>
+            </a:r>
+            <a:r>
+              <a:rPr lang="en-US" sz="2400" dirty="0"/>
+              <a:t> den </a:t>
+            </a:r>
+            <a:r>
+              <a:rPr lang="en-US" sz="2400" dirty="0" err="1"/>
+              <a:t>eneste</a:t>
+            </a:r>
+            <a:r>
+              <a:rPr lang="en-US" sz="2400" dirty="0"/>
+              <a:t> </a:t>
+            </a:r>
+            <a:r>
+              <a:rPr lang="en-US" sz="2400" dirty="0" err="1"/>
+              <a:t>måde</a:t>
+            </a:r>
+            <a:r>
+              <a:rPr lang="en-US" sz="2400" dirty="0"/>
+              <a:t> at </a:t>
+            </a:r>
+            <a:r>
+              <a:rPr lang="en-US" sz="2400" dirty="0" err="1"/>
+              <a:t>finde</a:t>
+            </a:r>
+            <a:r>
+              <a:rPr lang="en-US" sz="2400" dirty="0"/>
+              <a:t> </a:t>
+            </a:r>
+            <a:r>
+              <a:rPr lang="en-US" sz="2400" dirty="0" err="1"/>
+              <a:t>andre</a:t>
+            </a:r>
+            <a:r>
+              <a:rPr lang="en-US" sz="2400" dirty="0"/>
+              <a:t> assemblies </a:t>
+            </a:r>
+            <a:r>
+              <a:rPr lang="en-US" sz="2400" dirty="0" err="1"/>
+              <a:t>på</a:t>
+            </a:r>
+            <a:r>
+              <a:rPr lang="en-US" sz="2400" dirty="0"/>
+              <a:t>.</a:t>
+            </a:r>
+          </a:p>
+          <a:p>
+            <a:r>
+              <a:rPr lang="en-US" sz="2400" dirty="0"/>
+              <a:t>I det </a:t>
+            </a:r>
+            <a:r>
+              <a:rPr lang="en-US" sz="2400" dirty="0" err="1"/>
+              <a:t>tilfælde</a:t>
+            </a:r>
+            <a:r>
+              <a:rPr lang="en-US" sz="2400" dirty="0"/>
+              <a:t> at der </a:t>
+            </a:r>
+            <a:r>
+              <a:rPr lang="en-US" sz="2400" dirty="0" err="1"/>
+              <a:t>kommer</a:t>
+            </a:r>
+            <a:r>
+              <a:rPr lang="en-US" sz="2400" dirty="0"/>
+              <a:t> </a:t>
+            </a:r>
+            <a:r>
+              <a:rPr lang="en-US" sz="2400" dirty="0" err="1"/>
+              <a:t>opdateringer</a:t>
+            </a:r>
+            <a:r>
+              <a:rPr lang="en-US" sz="2400" dirty="0"/>
+              <a:t> I </a:t>
+            </a:r>
+            <a:r>
+              <a:rPr lang="en-US" sz="2400" dirty="0" err="1"/>
+              <a:t>softwaren</a:t>
+            </a:r>
+            <a:r>
+              <a:rPr lang="en-US" sz="2400" dirty="0"/>
+              <a:t>, </a:t>
+            </a:r>
+            <a:r>
+              <a:rPr lang="en-US" sz="2400" dirty="0" err="1"/>
+              <a:t>kan</a:t>
+            </a:r>
+            <a:r>
+              <a:rPr lang="en-US" sz="2400" dirty="0"/>
+              <a:t> der laves </a:t>
+            </a:r>
+            <a:r>
+              <a:rPr lang="en-US" sz="2400" dirty="0" err="1"/>
+              <a:t>en</a:t>
+            </a:r>
+            <a:r>
+              <a:rPr lang="en-US" sz="2400" dirty="0"/>
+              <a:t> </a:t>
+            </a:r>
+            <a:r>
+              <a:rPr lang="en-US" sz="2400" dirty="0" err="1"/>
+              <a:t>brugerdefineret</a:t>
+            </a:r>
+            <a:r>
+              <a:rPr lang="en-US" sz="2400" dirty="0"/>
+              <a:t> </a:t>
+            </a:r>
+            <a:r>
+              <a:rPr lang="en-US" sz="2400" dirty="0" err="1"/>
+              <a:t>versionerings</a:t>
+            </a:r>
+            <a:r>
+              <a:rPr lang="en-US" sz="2400" dirty="0"/>
+              <a:t> </a:t>
+            </a:r>
+            <a:r>
+              <a:rPr lang="en-US" sz="2400" dirty="0" err="1"/>
+              <a:t>politik</a:t>
+            </a:r>
+            <a:endParaRPr lang="en-US" sz="2400" dirty="0"/>
           </a:p>
           <a:p>
             <a:pPr lvl="1"/>
@@ -12173,7 +12942,7 @@
               <a:t>Det </a:t>
             </a:r>
             <a:r>
-              <a:rPr lang="en-US"/>
+              <a:rPr lang="en-US" dirty="0" err="1"/>
               <a:t>ville</a:t>
             </a:r>
             <a:r>
@@ -12181,7 +12950,7 @@
               <a:t> bare </a:t>
             </a:r>
             <a:r>
-              <a:rPr lang="en-US"/>
+              <a:rPr lang="en-US" dirty="0" err="1"/>
               <a:t>være</a:t>
             </a:r>
             <a:r>
@@ -12189,7 +12958,7 @@
               <a:t> </a:t>
             </a:r>
             <a:r>
-              <a:rPr lang="en-US"/>
+              <a:rPr lang="en-US" dirty="0" err="1"/>
               <a:t>en</a:t>
             </a:r>
             <a:r>
@@ -12197,7 +12966,7 @@
               <a:t> XML fil der </a:t>
             </a:r>
             <a:r>
-              <a:rPr lang="en-US"/>
+              <a:rPr lang="en-US" dirty="0" err="1"/>
               <a:t>forspørger</a:t>
             </a:r>
             <a:r>
@@ -12205,7 +12974,7 @@
               <a:t> </a:t>
             </a:r>
             <a:r>
-              <a:rPr lang="en-US"/>
+              <a:rPr lang="en-US" dirty="0" err="1"/>
               <a:t>efter</a:t>
             </a:r>
             <a:r>
@@ -12213,7 +12982,7 @@
               <a:t> </a:t>
             </a:r>
             <a:r>
-              <a:rPr lang="en-US"/>
+              <a:rPr lang="en-US" dirty="0" err="1"/>
               <a:t>en</a:t>
             </a:r>
             <a:r>
@@ -12221,7 +12990,7 @@
               <a:t> </a:t>
             </a:r>
             <a:r>
-              <a:rPr lang="en-US"/>
+              <a:rPr lang="en-US" dirty="0" err="1"/>
               <a:t>opdateret</a:t>
             </a:r>
             <a:r>
@@ -12230,7 +12999,7 @@
             </a:r>
           </a:p>
           <a:p>
-            <a:endParaRPr lang="en-US" sz="2400"/>
+            <a:endParaRPr lang="en-US" sz="2400" dirty="0"/>
           </a:p>
         </p:txBody>
       </p:sp>
